--- a/climing/ppt/미니프로젝트1.pptx
+++ b/climing/ppt/미니프로젝트1.pptx
@@ -16,29 +16,34 @@
     <p:sldId id="277" r:id="rId10"/>
     <p:sldId id="278" r:id="rId11"/>
     <p:sldId id="264" r:id="rId12"/>
+    <p:sldId id="283" r:id="rId13"/>
+    <p:sldId id="279" r:id="rId14"/>
+    <p:sldId id="281" r:id="rId15"/>
+    <p:sldId id="282" r:id="rId16"/>
+    <p:sldId id="280" r:id="rId17"/>
   </p:sldIdLst>
   <p:sldSz cx="18288000" cy="10287000"/>
   <p:notesSz cx="6858000" cy="9144000"/>
   <p:embeddedFontLst>
     <p:embeddedFont>
-      <p:font typeface="DM Sans Bold" panose="020B0600000101010101" charset="0"/>
-      <p:regular r:id="rId13"/>
+      <p:font typeface="DM Sans Bold" charset="0"/>
+      <p:regular r:id="rId18"/>
     </p:embeddedFont>
     <p:embeddedFont>
       <p:font typeface="DM Sans Italics" panose="020B0600000101010101" charset="0"/>
-      <p:regular r:id="rId14"/>
+      <p:regular r:id="rId19"/>
     </p:embeddedFont>
     <p:embeddedFont>
       <p:font typeface="에스코어 드림 4 Regular" panose="020B0503030302020204" pitchFamily="34" charset="-127"/>
-      <p:regular r:id="rId15"/>
+      <p:regular r:id="rId20"/>
     </p:embeddedFont>
     <p:embeddedFont>
       <p:font typeface="에스코어 드림 5 Medium" panose="020B0503030302020204" pitchFamily="34" charset="-127"/>
-      <p:regular r:id="rId16"/>
+      <p:regular r:id="rId21"/>
     </p:embeddedFont>
     <p:embeddedFont>
       <p:font typeface="에스코어 드림 6 Bold" panose="020B0703030302020204" pitchFamily="34" charset="-127"/>
-      <p:bold r:id="rId17"/>
+      <p:bold r:id="rId22"/>
     </p:embeddedFont>
   </p:embeddedFontLst>
   <p:defaultTextStyle>
@@ -335,7 +340,7 @@
             <a:fld id="{1D8BD707-D9CF-40AE-B4C6-C98DA3205C09}" type="datetimeFigureOut">
               <a:rPr lang="en-US" smtClean="0"/>
               <a:pPr/>
-              <a:t>4/12/2024</a:t>
+              <a:t>4/15/2024</a:t>
             </a:fld>
             <a:endParaRPr lang="en-US"/>
           </a:p>
@@ -500,7 +505,7 @@
             <a:fld id="{1D8BD707-D9CF-40AE-B4C6-C98DA3205C09}" type="datetimeFigureOut">
               <a:rPr lang="en-US" smtClean="0"/>
               <a:pPr/>
-              <a:t>4/12/2024</a:t>
+              <a:t>4/15/2024</a:t>
             </a:fld>
             <a:endParaRPr lang="en-US"/>
           </a:p>
@@ -675,7 +680,7 @@
             <a:fld id="{1D8BD707-D9CF-40AE-B4C6-C98DA3205C09}" type="datetimeFigureOut">
               <a:rPr lang="en-US" smtClean="0"/>
               <a:pPr/>
-              <a:t>4/12/2024</a:t>
+              <a:t>4/15/2024</a:t>
             </a:fld>
             <a:endParaRPr lang="en-US"/>
           </a:p>
@@ -840,7 +845,7 @@
             <a:fld id="{1D8BD707-D9CF-40AE-B4C6-C98DA3205C09}" type="datetimeFigureOut">
               <a:rPr lang="en-US" smtClean="0"/>
               <a:pPr/>
-              <a:t>4/12/2024</a:t>
+              <a:t>4/15/2024</a:t>
             </a:fld>
             <a:endParaRPr lang="en-US"/>
           </a:p>
@@ -1082,7 +1087,7 @@
             <a:fld id="{1D8BD707-D9CF-40AE-B4C6-C98DA3205C09}" type="datetimeFigureOut">
               <a:rPr lang="en-US" smtClean="0"/>
               <a:pPr/>
-              <a:t>4/12/2024</a:t>
+              <a:t>4/15/2024</a:t>
             </a:fld>
             <a:endParaRPr lang="en-US"/>
           </a:p>
@@ -1364,7 +1369,7 @@
             <a:fld id="{1D8BD707-D9CF-40AE-B4C6-C98DA3205C09}" type="datetimeFigureOut">
               <a:rPr lang="en-US" smtClean="0"/>
               <a:pPr/>
-              <a:t>4/12/2024</a:t>
+              <a:t>4/15/2024</a:t>
             </a:fld>
             <a:endParaRPr lang="en-US"/>
           </a:p>
@@ -1780,7 +1785,7 @@
             <a:fld id="{1D8BD707-D9CF-40AE-B4C6-C98DA3205C09}" type="datetimeFigureOut">
               <a:rPr lang="en-US" smtClean="0"/>
               <a:pPr/>
-              <a:t>4/12/2024</a:t>
+              <a:t>4/15/2024</a:t>
             </a:fld>
             <a:endParaRPr lang="en-US"/>
           </a:p>
@@ -1894,7 +1899,7 @@
             <a:fld id="{1D8BD707-D9CF-40AE-B4C6-C98DA3205C09}" type="datetimeFigureOut">
               <a:rPr lang="en-US" smtClean="0"/>
               <a:pPr/>
-              <a:t>4/12/2024</a:t>
+              <a:t>4/15/2024</a:t>
             </a:fld>
             <a:endParaRPr lang="en-US"/>
           </a:p>
@@ -1986,7 +1991,7 @@
             <a:fld id="{1D8BD707-D9CF-40AE-B4C6-C98DA3205C09}" type="datetimeFigureOut">
               <a:rPr lang="en-US" smtClean="0"/>
               <a:pPr/>
-              <a:t>4/12/2024</a:t>
+              <a:t>4/15/2024</a:t>
             </a:fld>
             <a:endParaRPr lang="en-US"/>
           </a:p>
@@ -2258,7 +2263,7 @@
             <a:fld id="{1D8BD707-D9CF-40AE-B4C6-C98DA3205C09}" type="datetimeFigureOut">
               <a:rPr lang="en-US" smtClean="0"/>
               <a:pPr/>
-              <a:t>4/12/2024</a:t>
+              <a:t>4/15/2024</a:t>
             </a:fld>
             <a:endParaRPr lang="en-US"/>
           </a:p>
@@ -2507,7 +2512,7 @@
             <a:fld id="{1D8BD707-D9CF-40AE-B4C6-C98DA3205C09}" type="datetimeFigureOut">
               <a:rPr lang="en-US" smtClean="0"/>
               <a:pPr/>
-              <a:t>4/12/2024</a:t>
+              <a:t>4/15/2024</a:t>
             </a:fld>
             <a:endParaRPr lang="en-US"/>
           </a:p>
@@ -2715,7 +2720,7 @@
             <a:fld id="{1D8BD707-D9CF-40AE-B4C6-C98DA3205C09}" type="datetimeFigureOut">
               <a:rPr lang="en-US" smtClean="0"/>
               <a:pPr/>
-              <a:t>4/12/2024</a:t>
+              <a:t>4/15/2024</a:t>
             </a:fld>
             <a:endParaRPr lang="en-US"/>
           </a:p>
@@ -3508,7 +3513,7 @@
         </p:nvSpPr>
         <p:spPr>
           <a:xfrm rot="10800000">
-            <a:off x="13156322" y="8287976"/>
+            <a:off x="13156322" y="8410738"/>
             <a:ext cx="4102978" cy="2245448"/>
           </a:xfrm>
           <a:custGeom>
@@ -4336,6 +4341,2752 @@
         </p:spPr>
       </p:pic>
     </p:spTree>
+  </p:cSld>
+  <p:clrMapOvr>
+    <a:masterClrMapping/>
+  </p:clrMapOvr>
+</p:sld>
+</file>
+
+<file path=ppt/slides/slide12.xml><?xml version="1.0" encoding="utf-8"?>
+<p:sld xmlns:a="http://schemas.openxmlformats.org/drawingml/2006/main" xmlns:r="http://schemas.openxmlformats.org/officeDocument/2006/relationships" xmlns:p="http://schemas.openxmlformats.org/presentationml/2006/main">
+  <p:cSld>
+    <p:spTree>
+      <p:nvGrpSpPr>
+        <p:cNvPr id="1" name=""/>
+        <p:cNvGrpSpPr/>
+        <p:nvPr/>
+      </p:nvGrpSpPr>
+      <p:grpSpPr>
+        <a:xfrm>
+          <a:off x="0" y="0"/>
+          <a:ext cx="0" cy="0"/>
+          <a:chOff x="0" y="0"/>
+          <a:chExt cx="0" cy="0"/>
+        </a:xfrm>
+      </p:grpSpPr>
+      <p:pic>
+        <p:nvPicPr>
+          <p:cNvPr id="10" name="그림 9">
+            <a:extLst>
+              <a:ext uri="{FF2B5EF4-FFF2-40B4-BE49-F238E27FC236}">
+                <a16:creationId xmlns:a16="http://schemas.microsoft.com/office/drawing/2014/main" id="{A92E9A31-96FF-3D58-0501-0F71F5B9799E}"/>
+              </a:ext>
+            </a:extLst>
+          </p:cNvPr>
+          <p:cNvPicPr>
+            <a:picLocks noChangeAspect="1"/>
+          </p:cNvPicPr>
+          <p:nvPr/>
+        </p:nvPicPr>
+        <p:blipFill>
+          <a:blip r:embed="rId2" cstate="print">
+            <a:extLst>
+              <a:ext uri="{28A0092B-C50C-407E-A947-70E740481C1C}">
+                <a14:useLocalDpi xmlns:a14="http://schemas.microsoft.com/office/drawing/2010/main" val="0"/>
+              </a:ext>
+            </a:extLst>
+          </a:blip>
+          <a:stretch>
+            <a:fillRect/>
+          </a:stretch>
+        </p:blipFill>
+        <p:spPr>
+          <a:xfrm>
+            <a:off x="9297805" y="1021305"/>
+            <a:ext cx="8244390" cy="8244390"/>
+          </a:xfrm>
+          <a:prstGeom prst="rect">
+            <a:avLst/>
+          </a:prstGeom>
+        </p:spPr>
+      </p:pic>
+      <p:grpSp>
+        <p:nvGrpSpPr>
+          <p:cNvPr id="7" name="Group 2">
+            <a:extLst>
+              <a:ext uri="{FF2B5EF4-FFF2-40B4-BE49-F238E27FC236}">
+                <a16:creationId xmlns:a16="http://schemas.microsoft.com/office/drawing/2014/main" id="{691389AB-4863-EB4B-C8ED-C6461B524C67}"/>
+              </a:ext>
+            </a:extLst>
+          </p:cNvPr>
+          <p:cNvGrpSpPr/>
+          <p:nvPr/>
+        </p:nvGrpSpPr>
+        <p:grpSpPr>
+          <a:xfrm>
+            <a:off x="1028700" y="811709"/>
+            <a:ext cx="16230600" cy="8446591"/>
+            <a:chOff x="0" y="-57150"/>
+            <a:chExt cx="4274726" cy="2224617"/>
+          </a:xfrm>
+        </p:grpSpPr>
+        <p:sp>
+          <p:nvSpPr>
+            <p:cNvPr id="8" name="Freeform 3">
+              <a:extLst>
+                <a:ext uri="{FF2B5EF4-FFF2-40B4-BE49-F238E27FC236}">
+                  <a16:creationId xmlns:a16="http://schemas.microsoft.com/office/drawing/2014/main" id="{ECA21775-BD1E-6306-D39F-F71D486F972F}"/>
+                </a:ext>
+              </a:extLst>
+            </p:cNvPr>
+            <p:cNvSpPr/>
+            <p:nvPr/>
+          </p:nvSpPr>
+          <p:spPr>
+            <a:xfrm>
+              <a:off x="0" y="0"/>
+              <a:ext cx="4274726" cy="2167467"/>
+            </a:xfrm>
+            <a:custGeom>
+              <a:avLst/>
+              <a:gdLst/>
+              <a:ahLst/>
+              <a:cxnLst/>
+              <a:rect l="l" t="t" r="r" b="b"/>
+              <a:pathLst>
+                <a:path w="4274726" h="2167467">
+                  <a:moveTo>
+                    <a:pt x="19080" y="0"/>
+                  </a:moveTo>
+                  <a:lnTo>
+                    <a:pt x="4255646" y="0"/>
+                  </a:lnTo>
+                  <a:cubicBezTo>
+                    <a:pt x="4266183" y="0"/>
+                    <a:pt x="4274726" y="8542"/>
+                    <a:pt x="4274726" y="19080"/>
+                  </a:cubicBezTo>
+                  <a:lnTo>
+                    <a:pt x="4274726" y="2148387"/>
+                  </a:lnTo>
+                  <a:cubicBezTo>
+                    <a:pt x="4274726" y="2158924"/>
+                    <a:pt x="4266183" y="2167467"/>
+                    <a:pt x="4255646" y="2167467"/>
+                  </a:cubicBezTo>
+                  <a:lnTo>
+                    <a:pt x="19080" y="2167467"/>
+                  </a:lnTo>
+                  <a:cubicBezTo>
+                    <a:pt x="8542" y="2167467"/>
+                    <a:pt x="0" y="2158924"/>
+                    <a:pt x="0" y="2148387"/>
+                  </a:cubicBezTo>
+                  <a:lnTo>
+                    <a:pt x="0" y="19080"/>
+                  </a:lnTo>
+                  <a:cubicBezTo>
+                    <a:pt x="0" y="8542"/>
+                    <a:pt x="8542" y="0"/>
+                    <a:pt x="19080" y="0"/>
+                  </a:cubicBezTo>
+                  <a:close/>
+                </a:path>
+              </a:pathLst>
+            </a:custGeom>
+            <a:solidFill>
+              <a:srgbClr val="000000">
+                <a:alpha val="0"/>
+              </a:srgbClr>
+            </a:solidFill>
+            <a:ln w="38100" cap="rnd">
+              <a:solidFill>
+                <a:srgbClr val="8CA9AD"/>
+              </a:solidFill>
+              <a:prstDash val="solid"/>
+              <a:round/>
+            </a:ln>
+          </p:spPr>
+        </p:sp>
+        <p:sp>
+          <p:nvSpPr>
+            <p:cNvPr id="9" name="TextBox 4">
+              <a:extLst>
+                <a:ext uri="{FF2B5EF4-FFF2-40B4-BE49-F238E27FC236}">
+                  <a16:creationId xmlns:a16="http://schemas.microsoft.com/office/drawing/2014/main" id="{31D17410-00DA-E8D1-2E11-FC694036FFED}"/>
+                </a:ext>
+              </a:extLst>
+            </p:cNvPr>
+            <p:cNvSpPr txBox="1"/>
+            <p:nvPr/>
+          </p:nvSpPr>
+          <p:spPr>
+            <a:xfrm>
+              <a:off x="0" y="-57150"/>
+              <a:ext cx="4274726" cy="2224617"/>
+            </a:xfrm>
+            <a:prstGeom prst="rect">
+              <a:avLst/>
+            </a:prstGeom>
+          </p:spPr>
+          <p:txBody>
+            <a:bodyPr lIns="50800" tIns="50800" rIns="50800" bIns="50800" rtlCol="0" anchor="ctr"/>
+            <a:lstStyle/>
+            <a:p>
+              <a:pPr algn="ctr">
+                <a:lnSpc>
+                  <a:spcPts val="2659"/>
+                </a:lnSpc>
+                <a:spcBef>
+                  <a:spcPct val="0"/>
+                </a:spcBef>
+              </a:pPr>
+              <a:endParaRPr/>
+            </a:p>
+          </p:txBody>
+        </p:sp>
+      </p:grpSp>
+      <p:grpSp>
+        <p:nvGrpSpPr>
+          <p:cNvPr id="11" name="Group 5">
+            <a:extLst>
+              <a:ext uri="{FF2B5EF4-FFF2-40B4-BE49-F238E27FC236}">
+                <a16:creationId xmlns:a16="http://schemas.microsoft.com/office/drawing/2014/main" id="{D81B1FF4-BEC7-E85C-741C-127451BCA0DC}"/>
+              </a:ext>
+            </a:extLst>
+          </p:cNvPr>
+          <p:cNvGrpSpPr/>
+          <p:nvPr/>
+        </p:nvGrpSpPr>
+        <p:grpSpPr>
+          <a:xfrm>
+            <a:off x="2133600" y="3102343"/>
+            <a:ext cx="2618968" cy="616879"/>
+            <a:chOff x="0" y="0"/>
+            <a:chExt cx="985454" cy="232117"/>
+          </a:xfrm>
+        </p:grpSpPr>
+        <p:sp>
+          <p:nvSpPr>
+            <p:cNvPr id="12" name="Freeform 6">
+              <a:extLst>
+                <a:ext uri="{FF2B5EF4-FFF2-40B4-BE49-F238E27FC236}">
+                  <a16:creationId xmlns:a16="http://schemas.microsoft.com/office/drawing/2014/main" id="{9F79450D-0157-030F-02B0-54B8DE51EA8D}"/>
+                </a:ext>
+              </a:extLst>
+            </p:cNvPr>
+            <p:cNvSpPr/>
+            <p:nvPr/>
+          </p:nvSpPr>
+          <p:spPr>
+            <a:xfrm>
+              <a:off x="0" y="0"/>
+              <a:ext cx="985454" cy="232117"/>
+            </a:xfrm>
+            <a:custGeom>
+              <a:avLst/>
+              <a:gdLst/>
+              <a:ahLst/>
+              <a:cxnLst/>
+              <a:rect l="l" t="t" r="r" b="b"/>
+              <a:pathLst>
+                <a:path w="985454" h="232117">
+                  <a:moveTo>
+                    <a:pt x="116058" y="0"/>
+                  </a:moveTo>
+                  <a:lnTo>
+                    <a:pt x="869396" y="0"/>
+                  </a:lnTo>
+                  <a:cubicBezTo>
+                    <a:pt x="900176" y="0"/>
+                    <a:pt x="929696" y="12228"/>
+                    <a:pt x="951461" y="33993"/>
+                  </a:cubicBezTo>
+                  <a:cubicBezTo>
+                    <a:pt x="973227" y="55758"/>
+                    <a:pt x="985454" y="85278"/>
+                    <a:pt x="985454" y="116058"/>
+                  </a:cubicBezTo>
+                  <a:lnTo>
+                    <a:pt x="985454" y="116058"/>
+                  </a:lnTo>
+                  <a:cubicBezTo>
+                    <a:pt x="985454" y="146839"/>
+                    <a:pt x="973227" y="176359"/>
+                    <a:pt x="951461" y="198124"/>
+                  </a:cubicBezTo>
+                  <a:cubicBezTo>
+                    <a:pt x="929696" y="219889"/>
+                    <a:pt x="900176" y="232117"/>
+                    <a:pt x="869396" y="232117"/>
+                  </a:cubicBezTo>
+                  <a:lnTo>
+                    <a:pt x="116058" y="232117"/>
+                  </a:lnTo>
+                  <a:cubicBezTo>
+                    <a:pt x="85278" y="232117"/>
+                    <a:pt x="55758" y="219889"/>
+                    <a:pt x="33993" y="198124"/>
+                  </a:cubicBezTo>
+                  <a:cubicBezTo>
+                    <a:pt x="12228" y="176359"/>
+                    <a:pt x="0" y="146839"/>
+                    <a:pt x="0" y="116058"/>
+                  </a:cubicBezTo>
+                  <a:lnTo>
+                    <a:pt x="0" y="116058"/>
+                  </a:lnTo>
+                  <a:cubicBezTo>
+                    <a:pt x="0" y="85278"/>
+                    <a:pt x="12228" y="55758"/>
+                    <a:pt x="33993" y="33993"/>
+                  </a:cubicBezTo>
+                  <a:cubicBezTo>
+                    <a:pt x="55758" y="12228"/>
+                    <a:pt x="85278" y="0"/>
+                    <a:pt x="116058" y="0"/>
+                  </a:cubicBezTo>
+                  <a:close/>
+                </a:path>
+              </a:pathLst>
+            </a:custGeom>
+            <a:solidFill>
+              <a:srgbClr val="8CA9AD"/>
+            </a:solidFill>
+          </p:spPr>
+        </p:sp>
+        <p:sp>
+          <p:nvSpPr>
+            <p:cNvPr id="13" name="TextBox 7">
+              <a:extLst>
+                <a:ext uri="{FF2B5EF4-FFF2-40B4-BE49-F238E27FC236}">
+                  <a16:creationId xmlns:a16="http://schemas.microsoft.com/office/drawing/2014/main" id="{17702A0A-6865-03C3-A367-3B9D89BBE661}"/>
+                </a:ext>
+              </a:extLst>
+            </p:cNvPr>
+            <p:cNvSpPr txBox="1"/>
+            <p:nvPr/>
+          </p:nvSpPr>
+          <p:spPr>
+            <a:xfrm>
+              <a:off x="0" y="-57150"/>
+              <a:ext cx="985454" cy="289267"/>
+            </a:xfrm>
+            <a:prstGeom prst="rect">
+              <a:avLst/>
+            </a:prstGeom>
+          </p:spPr>
+          <p:txBody>
+            <a:bodyPr lIns="50800" tIns="50800" rIns="50800" bIns="50800" rtlCol="0" anchor="ctr"/>
+            <a:lstStyle/>
+            <a:p>
+              <a:pPr algn="ctr">
+                <a:lnSpc>
+                  <a:spcPts val="2659"/>
+                </a:lnSpc>
+                <a:spcBef>
+                  <a:spcPct val="0"/>
+                </a:spcBef>
+              </a:pPr>
+              <a:endParaRPr/>
+            </a:p>
+          </p:txBody>
+        </p:sp>
+      </p:grpSp>
+      <p:sp>
+        <p:nvSpPr>
+          <p:cNvPr id="17" name="TextBox 23">
+            <a:extLst>
+              <a:ext uri="{FF2B5EF4-FFF2-40B4-BE49-F238E27FC236}">
+                <a16:creationId xmlns:a16="http://schemas.microsoft.com/office/drawing/2014/main" id="{497CDC2F-6E6F-0775-19BB-271CD6EF138A}"/>
+              </a:ext>
+            </a:extLst>
+          </p:cNvPr>
+          <p:cNvSpPr txBox="1"/>
+          <p:nvPr/>
+        </p:nvSpPr>
+        <p:spPr>
+          <a:xfrm>
+            <a:off x="2416495" y="3236475"/>
+            <a:ext cx="3061073" cy="384721"/>
+          </a:xfrm>
+          <a:prstGeom prst="rect">
+            <a:avLst/>
+          </a:prstGeom>
+        </p:spPr>
+        <p:txBody>
+          <a:bodyPr lIns="0" tIns="0" rIns="0" bIns="0" rtlCol="0" anchor="t">
+            <a:spAutoFit/>
+          </a:bodyPr>
+          <a:lstStyle/>
+          <a:p>
+            <a:pPr>
+              <a:lnSpc>
+                <a:spcPts val="2970"/>
+              </a:lnSpc>
+            </a:pPr>
+            <a:r>
+              <a:rPr lang="en-US" sz="2700">
+                <a:solidFill>
+                  <a:srgbClr val="FFFFFF"/>
+                </a:solidFill>
+                <a:latin typeface="에스코어 드림 6 Bold" panose="020B0703030302020204" pitchFamily="34" charset="-127"/>
+                <a:ea typeface="에스코어 드림 6 Bold" panose="020B0703030302020204" pitchFamily="34" charset="-127"/>
+              </a:rPr>
+              <a:t>PEOPLE</a:t>
+            </a:r>
+          </a:p>
+        </p:txBody>
+      </p:sp>
+      <p:sp>
+        <p:nvSpPr>
+          <p:cNvPr id="19" name="TextBox 29">
+            <a:extLst>
+              <a:ext uri="{FF2B5EF4-FFF2-40B4-BE49-F238E27FC236}">
+                <a16:creationId xmlns:a16="http://schemas.microsoft.com/office/drawing/2014/main" id="{18695E10-5E27-04C1-4A01-D72180FA2769}"/>
+              </a:ext>
+            </a:extLst>
+          </p:cNvPr>
+          <p:cNvSpPr txBox="1"/>
+          <p:nvPr/>
+        </p:nvSpPr>
+        <p:spPr>
+          <a:xfrm>
+            <a:off x="2416495" y="3897856"/>
+            <a:ext cx="3536224" cy="1041400"/>
+          </a:xfrm>
+          <a:prstGeom prst="rect">
+            <a:avLst/>
+          </a:prstGeom>
+        </p:spPr>
+        <p:txBody>
+          <a:bodyPr lIns="0" tIns="0" rIns="0" bIns="0" rtlCol="0" anchor="t">
+            <a:spAutoFit/>
+          </a:bodyPr>
+          <a:lstStyle/>
+          <a:p>
+            <a:pPr>
+              <a:lnSpc>
+                <a:spcPts val="2749"/>
+              </a:lnSpc>
+            </a:pPr>
+            <a:r>
+              <a:rPr lang="en-US" sz="2499" dirty="0">
+                <a:solidFill>
+                  <a:srgbClr val="A6A6A6"/>
+                </a:solidFill>
+                <a:latin typeface="에스코어 드림 4 Regular" panose="020B0503030302020204" pitchFamily="34" charset="-127"/>
+                <a:ea typeface="에스코어 드림 4 Regular" panose="020B0503030302020204" pitchFamily="34" charset="-127"/>
+              </a:rPr>
+              <a:t>Lorem ipsum dolor sit </a:t>
+            </a:r>
+            <a:r>
+              <a:rPr lang="en-US" sz="2499" dirty="0" err="1">
+                <a:solidFill>
+                  <a:srgbClr val="A6A6A6"/>
+                </a:solidFill>
+                <a:latin typeface="에스코어 드림 4 Regular" panose="020B0503030302020204" pitchFamily="34" charset="-127"/>
+                <a:ea typeface="에스코어 드림 4 Regular" panose="020B0503030302020204" pitchFamily="34" charset="-127"/>
+              </a:rPr>
+              <a:t>amet</a:t>
+            </a:r>
+            <a:r>
+              <a:rPr lang="en-US" sz="2499" dirty="0">
+                <a:solidFill>
+                  <a:srgbClr val="A6A6A6"/>
+                </a:solidFill>
+                <a:latin typeface="에스코어 드림 4 Regular" panose="020B0503030302020204" pitchFamily="34" charset="-127"/>
+                <a:ea typeface="에스코어 드림 4 Regular" panose="020B0503030302020204" pitchFamily="34" charset="-127"/>
+              </a:rPr>
+              <a:t>, </a:t>
+            </a:r>
+            <a:r>
+              <a:rPr lang="en-US" sz="2499" dirty="0" err="1">
+                <a:solidFill>
+                  <a:srgbClr val="A6A6A6"/>
+                </a:solidFill>
+                <a:latin typeface="에스코어 드림 4 Regular" panose="020B0503030302020204" pitchFamily="34" charset="-127"/>
+                <a:ea typeface="에스코어 드림 4 Regular" panose="020B0503030302020204" pitchFamily="34" charset="-127"/>
+              </a:rPr>
+              <a:t>consectetur</a:t>
+            </a:r>
+            <a:r>
+              <a:rPr lang="en-US" sz="2499" dirty="0">
+                <a:solidFill>
+                  <a:srgbClr val="A6A6A6"/>
+                </a:solidFill>
+                <a:latin typeface="에스코어 드림 4 Regular" panose="020B0503030302020204" pitchFamily="34" charset="-127"/>
+                <a:ea typeface="에스코어 드림 4 Regular" panose="020B0503030302020204" pitchFamily="34" charset="-127"/>
+              </a:rPr>
+              <a:t> </a:t>
+            </a:r>
+            <a:r>
+              <a:rPr lang="en-US" sz="2499" dirty="0" err="1">
+                <a:solidFill>
+                  <a:srgbClr val="A6A6A6"/>
+                </a:solidFill>
+                <a:latin typeface="에스코어 드림 4 Regular" panose="020B0503030302020204" pitchFamily="34" charset="-127"/>
+                <a:ea typeface="에스코어 드림 4 Regular" panose="020B0503030302020204" pitchFamily="34" charset="-127"/>
+              </a:rPr>
+              <a:t>adipiscing</a:t>
+            </a:r>
+            <a:r>
+              <a:rPr lang="en-US" sz="2499" dirty="0">
+                <a:solidFill>
+                  <a:srgbClr val="A6A6A6"/>
+                </a:solidFill>
+                <a:latin typeface="에스코어 드림 4 Regular" panose="020B0503030302020204" pitchFamily="34" charset="-127"/>
+                <a:ea typeface="에스코어 드림 4 Regular" panose="020B0503030302020204" pitchFamily="34" charset="-127"/>
+              </a:rPr>
+              <a:t> </a:t>
+            </a:r>
+            <a:r>
+              <a:rPr lang="en-US" sz="2499" dirty="0" err="1">
+                <a:solidFill>
+                  <a:srgbClr val="A6A6A6"/>
+                </a:solidFill>
+                <a:latin typeface="에스코어 드림 4 Regular" panose="020B0503030302020204" pitchFamily="34" charset="-127"/>
+                <a:ea typeface="에스코어 드림 4 Regular" panose="020B0503030302020204" pitchFamily="34" charset="-127"/>
+              </a:rPr>
+              <a:t>elit</a:t>
+            </a:r>
+            <a:r>
+              <a:rPr lang="en-US" sz="2499" dirty="0">
+                <a:solidFill>
+                  <a:srgbClr val="A6A6A6"/>
+                </a:solidFill>
+                <a:latin typeface="에스코어 드림 4 Regular" panose="020B0503030302020204" pitchFamily="34" charset="-127"/>
+                <a:ea typeface="에스코어 드림 4 Regular" panose="020B0503030302020204" pitchFamily="34" charset="-127"/>
+              </a:rPr>
+              <a:t>.</a:t>
+            </a:r>
+          </a:p>
+        </p:txBody>
+      </p:sp>
+      <p:sp>
+        <p:nvSpPr>
+          <p:cNvPr id="22" name="TextBox 8">
+            <a:extLst>
+              <a:ext uri="{FF2B5EF4-FFF2-40B4-BE49-F238E27FC236}">
+                <a16:creationId xmlns:a16="http://schemas.microsoft.com/office/drawing/2014/main" id="{BF0972A7-786D-DD06-DB34-B31A3A6F4124}"/>
+              </a:ext>
+            </a:extLst>
+          </p:cNvPr>
+          <p:cNvSpPr txBox="1"/>
+          <p:nvPr/>
+        </p:nvSpPr>
+        <p:spPr>
+          <a:xfrm>
+            <a:off x="1443962" y="1289039"/>
+            <a:ext cx="6810622" cy="1200329"/>
+          </a:xfrm>
+          <a:prstGeom prst="rect">
+            <a:avLst/>
+          </a:prstGeom>
+        </p:spPr>
+        <p:txBody>
+          <a:bodyPr wrap="square" lIns="0" tIns="0" rIns="0" bIns="0" rtlCol="0" anchor="t">
+            <a:spAutoFit/>
+          </a:bodyPr>
+          <a:lstStyle/>
+          <a:p>
+            <a:r>
+              <a:rPr lang="en-US" altLang="ko-KR" sz="2400" dirty="0">
+                <a:solidFill>
+                  <a:srgbClr val="8CA9AD"/>
+                </a:solidFill>
+                <a:latin typeface="에스코어 드림 4 Regular" panose="020B0503030302020204" pitchFamily="34" charset="-127"/>
+                <a:ea typeface="에스코어 드림 4 Regular" panose="020B0503030302020204" pitchFamily="34" charset="-127"/>
+              </a:rPr>
+              <a:t>Part 1</a:t>
+            </a:r>
+          </a:p>
+          <a:p>
+            <a:r>
+              <a:rPr lang="ko-KR" altLang="en-US" sz="5400" spc="-300" dirty="0">
+                <a:solidFill>
+                  <a:srgbClr val="8CA9AD"/>
+                </a:solidFill>
+                <a:latin typeface="에스코어 드림 6 Bold" panose="020B0703030302020204" pitchFamily="34" charset="-127"/>
+                <a:ea typeface="에스코어 드림 6 Bold" panose="020B0703030302020204" pitchFamily="34" charset="-127"/>
+              </a:rPr>
+              <a:t>여가 활동 순위</a:t>
+            </a:r>
+            <a:endParaRPr lang="en-US" sz="5400" spc="-300" dirty="0">
+              <a:solidFill>
+                <a:srgbClr val="8CA9AD"/>
+              </a:solidFill>
+              <a:latin typeface="에스코어 드림 6 Bold" panose="020B0703030302020204" pitchFamily="34" charset="-127"/>
+              <a:ea typeface="에스코어 드림 6 Bold" panose="020B0703030302020204" pitchFamily="34" charset="-127"/>
+            </a:endParaRPr>
+          </a:p>
+        </p:txBody>
+      </p:sp>
+    </p:spTree>
+    <p:extLst>
+      <p:ext uri="{BB962C8B-B14F-4D97-AF65-F5344CB8AC3E}">
+        <p14:creationId xmlns:p14="http://schemas.microsoft.com/office/powerpoint/2010/main" val="1533065836"/>
+      </p:ext>
+    </p:extLst>
+  </p:cSld>
+  <p:clrMapOvr>
+    <a:masterClrMapping/>
+  </p:clrMapOvr>
+</p:sld>
+</file>
+
+<file path=ppt/slides/slide13.xml><?xml version="1.0" encoding="utf-8"?>
+<p:sld xmlns:a="http://schemas.openxmlformats.org/drawingml/2006/main" xmlns:r="http://schemas.openxmlformats.org/officeDocument/2006/relationships" xmlns:p="http://schemas.openxmlformats.org/presentationml/2006/main">
+  <p:cSld>
+    <p:spTree>
+      <p:nvGrpSpPr>
+        <p:cNvPr id="1" name=""/>
+        <p:cNvGrpSpPr/>
+        <p:nvPr/>
+      </p:nvGrpSpPr>
+      <p:grpSpPr>
+        <a:xfrm>
+          <a:off x="0" y="0"/>
+          <a:ext cx="0" cy="0"/>
+          <a:chOff x="0" y="0"/>
+          <a:chExt cx="0" cy="0"/>
+        </a:xfrm>
+      </p:grpSpPr>
+      <p:pic>
+        <p:nvPicPr>
+          <p:cNvPr id="10" name="그림 9">
+            <a:extLst>
+              <a:ext uri="{FF2B5EF4-FFF2-40B4-BE49-F238E27FC236}">
+                <a16:creationId xmlns:a16="http://schemas.microsoft.com/office/drawing/2014/main" id="{A92E9A31-96FF-3D58-0501-0F71F5B9799E}"/>
+              </a:ext>
+            </a:extLst>
+          </p:cNvPr>
+          <p:cNvPicPr>
+            <a:picLocks noChangeAspect="1"/>
+          </p:cNvPicPr>
+          <p:nvPr/>
+        </p:nvPicPr>
+        <p:blipFill>
+          <a:blip r:embed="rId2" cstate="print">
+            <a:extLst>
+              <a:ext uri="{28A0092B-C50C-407E-A947-70E740481C1C}">
+                <a14:useLocalDpi xmlns:a14="http://schemas.microsoft.com/office/drawing/2010/main" val="0"/>
+              </a:ext>
+            </a:extLst>
+          </a:blip>
+          <a:stretch>
+            <a:fillRect/>
+          </a:stretch>
+        </p:blipFill>
+        <p:spPr>
+          <a:xfrm>
+            <a:off x="9297805" y="1021305"/>
+            <a:ext cx="8244390" cy="8244390"/>
+          </a:xfrm>
+          <a:prstGeom prst="rect">
+            <a:avLst/>
+          </a:prstGeom>
+        </p:spPr>
+      </p:pic>
+      <p:grpSp>
+        <p:nvGrpSpPr>
+          <p:cNvPr id="7" name="Group 2">
+            <a:extLst>
+              <a:ext uri="{FF2B5EF4-FFF2-40B4-BE49-F238E27FC236}">
+                <a16:creationId xmlns:a16="http://schemas.microsoft.com/office/drawing/2014/main" id="{691389AB-4863-EB4B-C8ED-C6461B524C67}"/>
+              </a:ext>
+            </a:extLst>
+          </p:cNvPr>
+          <p:cNvGrpSpPr/>
+          <p:nvPr/>
+        </p:nvGrpSpPr>
+        <p:grpSpPr>
+          <a:xfrm>
+            <a:off x="1028700" y="811709"/>
+            <a:ext cx="16230600" cy="8446591"/>
+            <a:chOff x="0" y="-57150"/>
+            <a:chExt cx="4274726" cy="2224617"/>
+          </a:xfrm>
+        </p:grpSpPr>
+        <p:sp>
+          <p:nvSpPr>
+            <p:cNvPr id="8" name="Freeform 3">
+              <a:extLst>
+                <a:ext uri="{FF2B5EF4-FFF2-40B4-BE49-F238E27FC236}">
+                  <a16:creationId xmlns:a16="http://schemas.microsoft.com/office/drawing/2014/main" id="{ECA21775-BD1E-6306-D39F-F71D486F972F}"/>
+                </a:ext>
+              </a:extLst>
+            </p:cNvPr>
+            <p:cNvSpPr/>
+            <p:nvPr/>
+          </p:nvSpPr>
+          <p:spPr>
+            <a:xfrm>
+              <a:off x="0" y="0"/>
+              <a:ext cx="4274726" cy="2167467"/>
+            </a:xfrm>
+            <a:custGeom>
+              <a:avLst/>
+              <a:gdLst/>
+              <a:ahLst/>
+              <a:cxnLst/>
+              <a:rect l="l" t="t" r="r" b="b"/>
+              <a:pathLst>
+                <a:path w="4274726" h="2167467">
+                  <a:moveTo>
+                    <a:pt x="19080" y="0"/>
+                  </a:moveTo>
+                  <a:lnTo>
+                    <a:pt x="4255646" y="0"/>
+                  </a:lnTo>
+                  <a:cubicBezTo>
+                    <a:pt x="4266183" y="0"/>
+                    <a:pt x="4274726" y="8542"/>
+                    <a:pt x="4274726" y="19080"/>
+                  </a:cubicBezTo>
+                  <a:lnTo>
+                    <a:pt x="4274726" y="2148387"/>
+                  </a:lnTo>
+                  <a:cubicBezTo>
+                    <a:pt x="4274726" y="2158924"/>
+                    <a:pt x="4266183" y="2167467"/>
+                    <a:pt x="4255646" y="2167467"/>
+                  </a:cubicBezTo>
+                  <a:lnTo>
+                    <a:pt x="19080" y="2167467"/>
+                  </a:lnTo>
+                  <a:cubicBezTo>
+                    <a:pt x="8542" y="2167467"/>
+                    <a:pt x="0" y="2158924"/>
+                    <a:pt x="0" y="2148387"/>
+                  </a:cubicBezTo>
+                  <a:lnTo>
+                    <a:pt x="0" y="19080"/>
+                  </a:lnTo>
+                  <a:cubicBezTo>
+                    <a:pt x="0" y="8542"/>
+                    <a:pt x="8542" y="0"/>
+                    <a:pt x="19080" y="0"/>
+                  </a:cubicBezTo>
+                  <a:close/>
+                </a:path>
+              </a:pathLst>
+            </a:custGeom>
+            <a:solidFill>
+              <a:srgbClr val="000000">
+                <a:alpha val="0"/>
+              </a:srgbClr>
+            </a:solidFill>
+            <a:ln w="38100" cap="rnd">
+              <a:solidFill>
+                <a:srgbClr val="8CA9AD"/>
+              </a:solidFill>
+              <a:prstDash val="solid"/>
+              <a:round/>
+            </a:ln>
+          </p:spPr>
+        </p:sp>
+        <p:sp>
+          <p:nvSpPr>
+            <p:cNvPr id="9" name="TextBox 4">
+              <a:extLst>
+                <a:ext uri="{FF2B5EF4-FFF2-40B4-BE49-F238E27FC236}">
+                  <a16:creationId xmlns:a16="http://schemas.microsoft.com/office/drawing/2014/main" id="{31D17410-00DA-E8D1-2E11-FC694036FFED}"/>
+                </a:ext>
+              </a:extLst>
+            </p:cNvPr>
+            <p:cNvSpPr txBox="1"/>
+            <p:nvPr/>
+          </p:nvSpPr>
+          <p:spPr>
+            <a:xfrm>
+              <a:off x="0" y="-57150"/>
+              <a:ext cx="4274726" cy="2224617"/>
+            </a:xfrm>
+            <a:prstGeom prst="rect">
+              <a:avLst/>
+            </a:prstGeom>
+          </p:spPr>
+          <p:txBody>
+            <a:bodyPr lIns="50800" tIns="50800" rIns="50800" bIns="50800" rtlCol="0" anchor="ctr"/>
+            <a:lstStyle/>
+            <a:p>
+              <a:pPr algn="ctr">
+                <a:lnSpc>
+                  <a:spcPts val="2659"/>
+                </a:lnSpc>
+                <a:spcBef>
+                  <a:spcPct val="0"/>
+                </a:spcBef>
+              </a:pPr>
+              <a:endParaRPr/>
+            </a:p>
+          </p:txBody>
+        </p:sp>
+      </p:grpSp>
+      <p:grpSp>
+        <p:nvGrpSpPr>
+          <p:cNvPr id="11" name="Group 5">
+            <a:extLst>
+              <a:ext uri="{FF2B5EF4-FFF2-40B4-BE49-F238E27FC236}">
+                <a16:creationId xmlns:a16="http://schemas.microsoft.com/office/drawing/2014/main" id="{D81B1FF4-BEC7-E85C-741C-127451BCA0DC}"/>
+              </a:ext>
+            </a:extLst>
+          </p:cNvPr>
+          <p:cNvGrpSpPr/>
+          <p:nvPr/>
+        </p:nvGrpSpPr>
+        <p:grpSpPr>
+          <a:xfrm>
+            <a:off x="2133600" y="3102343"/>
+            <a:ext cx="2618968" cy="616879"/>
+            <a:chOff x="0" y="0"/>
+            <a:chExt cx="985454" cy="232117"/>
+          </a:xfrm>
+        </p:grpSpPr>
+        <p:sp>
+          <p:nvSpPr>
+            <p:cNvPr id="12" name="Freeform 6">
+              <a:extLst>
+                <a:ext uri="{FF2B5EF4-FFF2-40B4-BE49-F238E27FC236}">
+                  <a16:creationId xmlns:a16="http://schemas.microsoft.com/office/drawing/2014/main" id="{9F79450D-0157-030F-02B0-54B8DE51EA8D}"/>
+                </a:ext>
+              </a:extLst>
+            </p:cNvPr>
+            <p:cNvSpPr/>
+            <p:nvPr/>
+          </p:nvSpPr>
+          <p:spPr>
+            <a:xfrm>
+              <a:off x="0" y="0"/>
+              <a:ext cx="985454" cy="232117"/>
+            </a:xfrm>
+            <a:custGeom>
+              <a:avLst/>
+              <a:gdLst/>
+              <a:ahLst/>
+              <a:cxnLst/>
+              <a:rect l="l" t="t" r="r" b="b"/>
+              <a:pathLst>
+                <a:path w="985454" h="232117">
+                  <a:moveTo>
+                    <a:pt x="116058" y="0"/>
+                  </a:moveTo>
+                  <a:lnTo>
+                    <a:pt x="869396" y="0"/>
+                  </a:lnTo>
+                  <a:cubicBezTo>
+                    <a:pt x="900176" y="0"/>
+                    <a:pt x="929696" y="12228"/>
+                    <a:pt x="951461" y="33993"/>
+                  </a:cubicBezTo>
+                  <a:cubicBezTo>
+                    <a:pt x="973227" y="55758"/>
+                    <a:pt x="985454" y="85278"/>
+                    <a:pt x="985454" y="116058"/>
+                  </a:cubicBezTo>
+                  <a:lnTo>
+                    <a:pt x="985454" y="116058"/>
+                  </a:lnTo>
+                  <a:cubicBezTo>
+                    <a:pt x="985454" y="146839"/>
+                    <a:pt x="973227" y="176359"/>
+                    <a:pt x="951461" y="198124"/>
+                  </a:cubicBezTo>
+                  <a:cubicBezTo>
+                    <a:pt x="929696" y="219889"/>
+                    <a:pt x="900176" y="232117"/>
+                    <a:pt x="869396" y="232117"/>
+                  </a:cubicBezTo>
+                  <a:lnTo>
+                    <a:pt x="116058" y="232117"/>
+                  </a:lnTo>
+                  <a:cubicBezTo>
+                    <a:pt x="85278" y="232117"/>
+                    <a:pt x="55758" y="219889"/>
+                    <a:pt x="33993" y="198124"/>
+                  </a:cubicBezTo>
+                  <a:cubicBezTo>
+                    <a:pt x="12228" y="176359"/>
+                    <a:pt x="0" y="146839"/>
+                    <a:pt x="0" y="116058"/>
+                  </a:cubicBezTo>
+                  <a:lnTo>
+                    <a:pt x="0" y="116058"/>
+                  </a:lnTo>
+                  <a:cubicBezTo>
+                    <a:pt x="0" y="85278"/>
+                    <a:pt x="12228" y="55758"/>
+                    <a:pt x="33993" y="33993"/>
+                  </a:cubicBezTo>
+                  <a:cubicBezTo>
+                    <a:pt x="55758" y="12228"/>
+                    <a:pt x="85278" y="0"/>
+                    <a:pt x="116058" y="0"/>
+                  </a:cubicBezTo>
+                  <a:close/>
+                </a:path>
+              </a:pathLst>
+            </a:custGeom>
+            <a:solidFill>
+              <a:srgbClr val="8CA9AD"/>
+            </a:solidFill>
+          </p:spPr>
+        </p:sp>
+        <p:sp>
+          <p:nvSpPr>
+            <p:cNvPr id="13" name="TextBox 7">
+              <a:extLst>
+                <a:ext uri="{FF2B5EF4-FFF2-40B4-BE49-F238E27FC236}">
+                  <a16:creationId xmlns:a16="http://schemas.microsoft.com/office/drawing/2014/main" id="{17702A0A-6865-03C3-A367-3B9D89BBE661}"/>
+                </a:ext>
+              </a:extLst>
+            </p:cNvPr>
+            <p:cNvSpPr txBox="1"/>
+            <p:nvPr/>
+          </p:nvSpPr>
+          <p:spPr>
+            <a:xfrm>
+              <a:off x="0" y="-57150"/>
+              <a:ext cx="985454" cy="289267"/>
+            </a:xfrm>
+            <a:prstGeom prst="rect">
+              <a:avLst/>
+            </a:prstGeom>
+          </p:spPr>
+          <p:txBody>
+            <a:bodyPr lIns="50800" tIns="50800" rIns="50800" bIns="50800" rtlCol="0" anchor="ctr"/>
+            <a:lstStyle/>
+            <a:p>
+              <a:pPr algn="ctr">
+                <a:lnSpc>
+                  <a:spcPts val="2659"/>
+                </a:lnSpc>
+                <a:spcBef>
+                  <a:spcPct val="0"/>
+                </a:spcBef>
+              </a:pPr>
+              <a:endParaRPr/>
+            </a:p>
+          </p:txBody>
+        </p:sp>
+      </p:grpSp>
+      <p:sp>
+        <p:nvSpPr>
+          <p:cNvPr id="17" name="TextBox 23">
+            <a:extLst>
+              <a:ext uri="{FF2B5EF4-FFF2-40B4-BE49-F238E27FC236}">
+                <a16:creationId xmlns:a16="http://schemas.microsoft.com/office/drawing/2014/main" id="{497CDC2F-6E6F-0775-19BB-271CD6EF138A}"/>
+              </a:ext>
+            </a:extLst>
+          </p:cNvPr>
+          <p:cNvSpPr txBox="1"/>
+          <p:nvPr/>
+        </p:nvSpPr>
+        <p:spPr>
+          <a:xfrm>
+            <a:off x="2416495" y="3236475"/>
+            <a:ext cx="3061073" cy="384721"/>
+          </a:xfrm>
+          <a:prstGeom prst="rect">
+            <a:avLst/>
+          </a:prstGeom>
+        </p:spPr>
+        <p:txBody>
+          <a:bodyPr lIns="0" tIns="0" rIns="0" bIns="0" rtlCol="0" anchor="t">
+            <a:spAutoFit/>
+          </a:bodyPr>
+          <a:lstStyle/>
+          <a:p>
+            <a:pPr>
+              <a:lnSpc>
+                <a:spcPts val="2970"/>
+              </a:lnSpc>
+            </a:pPr>
+            <a:r>
+              <a:rPr lang="en-US" sz="2700">
+                <a:solidFill>
+                  <a:srgbClr val="FFFFFF"/>
+                </a:solidFill>
+                <a:latin typeface="에스코어 드림 6 Bold" panose="020B0703030302020204" pitchFamily="34" charset="-127"/>
+                <a:ea typeface="에스코어 드림 6 Bold" panose="020B0703030302020204" pitchFamily="34" charset="-127"/>
+              </a:rPr>
+              <a:t>PEOPLE</a:t>
+            </a:r>
+          </a:p>
+        </p:txBody>
+      </p:sp>
+      <p:sp>
+        <p:nvSpPr>
+          <p:cNvPr id="19" name="TextBox 29">
+            <a:extLst>
+              <a:ext uri="{FF2B5EF4-FFF2-40B4-BE49-F238E27FC236}">
+                <a16:creationId xmlns:a16="http://schemas.microsoft.com/office/drawing/2014/main" id="{18695E10-5E27-04C1-4A01-D72180FA2769}"/>
+              </a:ext>
+            </a:extLst>
+          </p:cNvPr>
+          <p:cNvSpPr txBox="1"/>
+          <p:nvPr/>
+        </p:nvSpPr>
+        <p:spPr>
+          <a:xfrm>
+            <a:off x="2416495" y="3897856"/>
+            <a:ext cx="3536224" cy="1041400"/>
+          </a:xfrm>
+          <a:prstGeom prst="rect">
+            <a:avLst/>
+          </a:prstGeom>
+        </p:spPr>
+        <p:txBody>
+          <a:bodyPr lIns="0" tIns="0" rIns="0" bIns="0" rtlCol="0" anchor="t">
+            <a:spAutoFit/>
+          </a:bodyPr>
+          <a:lstStyle/>
+          <a:p>
+            <a:pPr>
+              <a:lnSpc>
+                <a:spcPts val="2749"/>
+              </a:lnSpc>
+            </a:pPr>
+            <a:r>
+              <a:rPr lang="en-US" sz="2499" dirty="0">
+                <a:solidFill>
+                  <a:srgbClr val="A6A6A6"/>
+                </a:solidFill>
+                <a:latin typeface="에스코어 드림 4 Regular" panose="020B0503030302020204" pitchFamily="34" charset="-127"/>
+                <a:ea typeface="에스코어 드림 4 Regular" panose="020B0503030302020204" pitchFamily="34" charset="-127"/>
+              </a:rPr>
+              <a:t>Lorem ipsum dolor sit </a:t>
+            </a:r>
+            <a:r>
+              <a:rPr lang="en-US" sz="2499" dirty="0" err="1">
+                <a:solidFill>
+                  <a:srgbClr val="A6A6A6"/>
+                </a:solidFill>
+                <a:latin typeface="에스코어 드림 4 Regular" panose="020B0503030302020204" pitchFamily="34" charset="-127"/>
+                <a:ea typeface="에스코어 드림 4 Regular" panose="020B0503030302020204" pitchFamily="34" charset="-127"/>
+              </a:rPr>
+              <a:t>amet</a:t>
+            </a:r>
+            <a:r>
+              <a:rPr lang="en-US" sz="2499" dirty="0">
+                <a:solidFill>
+                  <a:srgbClr val="A6A6A6"/>
+                </a:solidFill>
+                <a:latin typeface="에스코어 드림 4 Regular" panose="020B0503030302020204" pitchFamily="34" charset="-127"/>
+                <a:ea typeface="에스코어 드림 4 Regular" panose="020B0503030302020204" pitchFamily="34" charset="-127"/>
+              </a:rPr>
+              <a:t>, </a:t>
+            </a:r>
+            <a:r>
+              <a:rPr lang="en-US" sz="2499" dirty="0" err="1">
+                <a:solidFill>
+                  <a:srgbClr val="A6A6A6"/>
+                </a:solidFill>
+                <a:latin typeface="에스코어 드림 4 Regular" panose="020B0503030302020204" pitchFamily="34" charset="-127"/>
+                <a:ea typeface="에스코어 드림 4 Regular" panose="020B0503030302020204" pitchFamily="34" charset="-127"/>
+              </a:rPr>
+              <a:t>consectetur</a:t>
+            </a:r>
+            <a:r>
+              <a:rPr lang="en-US" sz="2499" dirty="0">
+                <a:solidFill>
+                  <a:srgbClr val="A6A6A6"/>
+                </a:solidFill>
+                <a:latin typeface="에스코어 드림 4 Regular" panose="020B0503030302020204" pitchFamily="34" charset="-127"/>
+                <a:ea typeface="에스코어 드림 4 Regular" panose="020B0503030302020204" pitchFamily="34" charset="-127"/>
+              </a:rPr>
+              <a:t> </a:t>
+            </a:r>
+            <a:r>
+              <a:rPr lang="en-US" sz="2499" dirty="0" err="1">
+                <a:solidFill>
+                  <a:srgbClr val="A6A6A6"/>
+                </a:solidFill>
+                <a:latin typeface="에스코어 드림 4 Regular" panose="020B0503030302020204" pitchFamily="34" charset="-127"/>
+                <a:ea typeface="에스코어 드림 4 Regular" panose="020B0503030302020204" pitchFamily="34" charset="-127"/>
+              </a:rPr>
+              <a:t>adipiscing</a:t>
+            </a:r>
+            <a:r>
+              <a:rPr lang="en-US" sz="2499" dirty="0">
+                <a:solidFill>
+                  <a:srgbClr val="A6A6A6"/>
+                </a:solidFill>
+                <a:latin typeface="에스코어 드림 4 Regular" panose="020B0503030302020204" pitchFamily="34" charset="-127"/>
+                <a:ea typeface="에스코어 드림 4 Regular" panose="020B0503030302020204" pitchFamily="34" charset="-127"/>
+              </a:rPr>
+              <a:t> </a:t>
+            </a:r>
+            <a:r>
+              <a:rPr lang="en-US" sz="2499" dirty="0" err="1">
+                <a:solidFill>
+                  <a:srgbClr val="A6A6A6"/>
+                </a:solidFill>
+                <a:latin typeface="에스코어 드림 4 Regular" panose="020B0503030302020204" pitchFamily="34" charset="-127"/>
+                <a:ea typeface="에스코어 드림 4 Regular" panose="020B0503030302020204" pitchFamily="34" charset="-127"/>
+              </a:rPr>
+              <a:t>elit</a:t>
+            </a:r>
+            <a:r>
+              <a:rPr lang="en-US" sz="2499" dirty="0">
+                <a:solidFill>
+                  <a:srgbClr val="A6A6A6"/>
+                </a:solidFill>
+                <a:latin typeface="에스코어 드림 4 Regular" panose="020B0503030302020204" pitchFamily="34" charset="-127"/>
+                <a:ea typeface="에스코어 드림 4 Regular" panose="020B0503030302020204" pitchFamily="34" charset="-127"/>
+              </a:rPr>
+              <a:t>.</a:t>
+            </a:r>
+          </a:p>
+        </p:txBody>
+      </p:sp>
+      <p:sp>
+        <p:nvSpPr>
+          <p:cNvPr id="22" name="TextBox 8">
+            <a:extLst>
+              <a:ext uri="{FF2B5EF4-FFF2-40B4-BE49-F238E27FC236}">
+                <a16:creationId xmlns:a16="http://schemas.microsoft.com/office/drawing/2014/main" id="{BF0972A7-786D-DD06-DB34-B31A3A6F4124}"/>
+              </a:ext>
+            </a:extLst>
+          </p:cNvPr>
+          <p:cNvSpPr txBox="1"/>
+          <p:nvPr/>
+        </p:nvSpPr>
+        <p:spPr>
+          <a:xfrm>
+            <a:off x="1443962" y="1289039"/>
+            <a:ext cx="6810622" cy="1200329"/>
+          </a:xfrm>
+          <a:prstGeom prst="rect">
+            <a:avLst/>
+          </a:prstGeom>
+        </p:spPr>
+        <p:txBody>
+          <a:bodyPr wrap="square" lIns="0" tIns="0" rIns="0" bIns="0" rtlCol="0" anchor="t">
+            <a:spAutoFit/>
+          </a:bodyPr>
+          <a:lstStyle/>
+          <a:p>
+            <a:r>
+              <a:rPr lang="en-US" altLang="ko-KR" sz="2400" dirty="0">
+                <a:solidFill>
+                  <a:srgbClr val="8CA9AD"/>
+                </a:solidFill>
+                <a:latin typeface="에스코어 드림 4 Regular" panose="020B0503030302020204" pitchFamily="34" charset="-127"/>
+                <a:ea typeface="에스코어 드림 4 Regular" panose="020B0503030302020204" pitchFamily="34" charset="-127"/>
+              </a:rPr>
+              <a:t>Part 2</a:t>
+            </a:r>
+          </a:p>
+          <a:p>
+            <a:r>
+              <a:rPr lang="ko-KR" altLang="en-US" sz="5400" spc="-300" dirty="0">
+                <a:solidFill>
+                  <a:srgbClr val="8CA9AD"/>
+                </a:solidFill>
+                <a:latin typeface="에스코어 드림 6 Bold" panose="020B0703030302020204" pitchFamily="34" charset="-127"/>
+                <a:ea typeface="에스코어 드림 6 Bold" panose="020B0703030302020204" pitchFamily="34" charset="-127"/>
+              </a:rPr>
+              <a:t>전국 등산로 분포</a:t>
+            </a:r>
+            <a:endParaRPr lang="en-US" sz="5400" spc="-300" dirty="0">
+              <a:solidFill>
+                <a:srgbClr val="8CA9AD"/>
+              </a:solidFill>
+              <a:latin typeface="에스코어 드림 6 Bold" panose="020B0703030302020204" pitchFamily="34" charset="-127"/>
+              <a:ea typeface="에스코어 드림 6 Bold" panose="020B0703030302020204" pitchFamily="34" charset="-127"/>
+            </a:endParaRPr>
+          </a:p>
+        </p:txBody>
+      </p:sp>
+    </p:spTree>
+    <p:extLst>
+      <p:ext uri="{BB962C8B-B14F-4D97-AF65-F5344CB8AC3E}">
+        <p14:creationId xmlns:p14="http://schemas.microsoft.com/office/powerpoint/2010/main" val="3298988974"/>
+      </p:ext>
+    </p:extLst>
+  </p:cSld>
+  <p:clrMapOvr>
+    <a:masterClrMapping/>
+  </p:clrMapOvr>
+</p:sld>
+</file>
+
+<file path=ppt/slides/slide14.xml><?xml version="1.0" encoding="utf-8"?>
+<p:sld xmlns:a="http://schemas.openxmlformats.org/drawingml/2006/main" xmlns:r="http://schemas.openxmlformats.org/officeDocument/2006/relationships" xmlns:p="http://schemas.openxmlformats.org/presentationml/2006/main">
+  <p:cSld>
+    <p:spTree>
+      <p:nvGrpSpPr>
+        <p:cNvPr id="1" name=""/>
+        <p:cNvGrpSpPr/>
+        <p:nvPr/>
+      </p:nvGrpSpPr>
+      <p:grpSpPr>
+        <a:xfrm>
+          <a:off x="0" y="0"/>
+          <a:ext cx="0" cy="0"/>
+          <a:chOff x="0" y="0"/>
+          <a:chExt cx="0" cy="0"/>
+        </a:xfrm>
+      </p:grpSpPr>
+      <p:pic>
+        <p:nvPicPr>
+          <p:cNvPr id="10" name="그림 9">
+            <a:extLst>
+              <a:ext uri="{FF2B5EF4-FFF2-40B4-BE49-F238E27FC236}">
+                <a16:creationId xmlns:a16="http://schemas.microsoft.com/office/drawing/2014/main" id="{A92E9A31-96FF-3D58-0501-0F71F5B9799E}"/>
+              </a:ext>
+            </a:extLst>
+          </p:cNvPr>
+          <p:cNvPicPr>
+            <a:picLocks noChangeAspect="1"/>
+          </p:cNvPicPr>
+          <p:nvPr/>
+        </p:nvPicPr>
+        <p:blipFill>
+          <a:blip r:embed="rId2" cstate="print">
+            <a:extLst>
+              <a:ext uri="{28A0092B-C50C-407E-A947-70E740481C1C}">
+                <a14:useLocalDpi xmlns:a14="http://schemas.microsoft.com/office/drawing/2010/main" val="0"/>
+              </a:ext>
+            </a:extLst>
+          </a:blip>
+          <a:stretch>
+            <a:fillRect/>
+          </a:stretch>
+        </p:blipFill>
+        <p:spPr>
+          <a:xfrm>
+            <a:off x="9297805" y="1021305"/>
+            <a:ext cx="8244390" cy="8244390"/>
+          </a:xfrm>
+          <a:prstGeom prst="rect">
+            <a:avLst/>
+          </a:prstGeom>
+        </p:spPr>
+      </p:pic>
+      <p:grpSp>
+        <p:nvGrpSpPr>
+          <p:cNvPr id="7" name="Group 2">
+            <a:extLst>
+              <a:ext uri="{FF2B5EF4-FFF2-40B4-BE49-F238E27FC236}">
+                <a16:creationId xmlns:a16="http://schemas.microsoft.com/office/drawing/2014/main" id="{691389AB-4863-EB4B-C8ED-C6461B524C67}"/>
+              </a:ext>
+            </a:extLst>
+          </p:cNvPr>
+          <p:cNvGrpSpPr/>
+          <p:nvPr/>
+        </p:nvGrpSpPr>
+        <p:grpSpPr>
+          <a:xfrm>
+            <a:off x="1028700" y="811709"/>
+            <a:ext cx="16230600" cy="8446591"/>
+            <a:chOff x="0" y="-57150"/>
+            <a:chExt cx="4274726" cy="2224617"/>
+          </a:xfrm>
+        </p:grpSpPr>
+        <p:sp>
+          <p:nvSpPr>
+            <p:cNvPr id="8" name="Freeform 3">
+              <a:extLst>
+                <a:ext uri="{FF2B5EF4-FFF2-40B4-BE49-F238E27FC236}">
+                  <a16:creationId xmlns:a16="http://schemas.microsoft.com/office/drawing/2014/main" id="{ECA21775-BD1E-6306-D39F-F71D486F972F}"/>
+                </a:ext>
+              </a:extLst>
+            </p:cNvPr>
+            <p:cNvSpPr/>
+            <p:nvPr/>
+          </p:nvSpPr>
+          <p:spPr>
+            <a:xfrm>
+              <a:off x="0" y="0"/>
+              <a:ext cx="4274726" cy="2167467"/>
+            </a:xfrm>
+            <a:custGeom>
+              <a:avLst/>
+              <a:gdLst/>
+              <a:ahLst/>
+              <a:cxnLst/>
+              <a:rect l="l" t="t" r="r" b="b"/>
+              <a:pathLst>
+                <a:path w="4274726" h="2167467">
+                  <a:moveTo>
+                    <a:pt x="19080" y="0"/>
+                  </a:moveTo>
+                  <a:lnTo>
+                    <a:pt x="4255646" y="0"/>
+                  </a:lnTo>
+                  <a:cubicBezTo>
+                    <a:pt x="4266183" y="0"/>
+                    <a:pt x="4274726" y="8542"/>
+                    <a:pt x="4274726" y="19080"/>
+                  </a:cubicBezTo>
+                  <a:lnTo>
+                    <a:pt x="4274726" y="2148387"/>
+                  </a:lnTo>
+                  <a:cubicBezTo>
+                    <a:pt x="4274726" y="2158924"/>
+                    <a:pt x="4266183" y="2167467"/>
+                    <a:pt x="4255646" y="2167467"/>
+                  </a:cubicBezTo>
+                  <a:lnTo>
+                    <a:pt x="19080" y="2167467"/>
+                  </a:lnTo>
+                  <a:cubicBezTo>
+                    <a:pt x="8542" y="2167467"/>
+                    <a:pt x="0" y="2158924"/>
+                    <a:pt x="0" y="2148387"/>
+                  </a:cubicBezTo>
+                  <a:lnTo>
+                    <a:pt x="0" y="19080"/>
+                  </a:lnTo>
+                  <a:cubicBezTo>
+                    <a:pt x="0" y="8542"/>
+                    <a:pt x="8542" y="0"/>
+                    <a:pt x="19080" y="0"/>
+                  </a:cubicBezTo>
+                  <a:close/>
+                </a:path>
+              </a:pathLst>
+            </a:custGeom>
+            <a:solidFill>
+              <a:srgbClr val="000000">
+                <a:alpha val="0"/>
+              </a:srgbClr>
+            </a:solidFill>
+            <a:ln w="38100" cap="rnd">
+              <a:solidFill>
+                <a:srgbClr val="8CA9AD"/>
+              </a:solidFill>
+              <a:prstDash val="solid"/>
+              <a:round/>
+            </a:ln>
+          </p:spPr>
+        </p:sp>
+        <p:sp>
+          <p:nvSpPr>
+            <p:cNvPr id="9" name="TextBox 4">
+              <a:extLst>
+                <a:ext uri="{FF2B5EF4-FFF2-40B4-BE49-F238E27FC236}">
+                  <a16:creationId xmlns:a16="http://schemas.microsoft.com/office/drawing/2014/main" id="{31D17410-00DA-E8D1-2E11-FC694036FFED}"/>
+                </a:ext>
+              </a:extLst>
+            </p:cNvPr>
+            <p:cNvSpPr txBox="1"/>
+            <p:nvPr/>
+          </p:nvSpPr>
+          <p:spPr>
+            <a:xfrm>
+              <a:off x="0" y="-57150"/>
+              <a:ext cx="4274726" cy="2224617"/>
+            </a:xfrm>
+            <a:prstGeom prst="rect">
+              <a:avLst/>
+            </a:prstGeom>
+          </p:spPr>
+          <p:txBody>
+            <a:bodyPr lIns="50800" tIns="50800" rIns="50800" bIns="50800" rtlCol="0" anchor="ctr"/>
+            <a:lstStyle/>
+            <a:p>
+              <a:pPr algn="ctr">
+                <a:lnSpc>
+                  <a:spcPts val="2659"/>
+                </a:lnSpc>
+                <a:spcBef>
+                  <a:spcPct val="0"/>
+                </a:spcBef>
+              </a:pPr>
+              <a:endParaRPr/>
+            </a:p>
+          </p:txBody>
+        </p:sp>
+      </p:grpSp>
+      <p:grpSp>
+        <p:nvGrpSpPr>
+          <p:cNvPr id="11" name="Group 5">
+            <a:extLst>
+              <a:ext uri="{FF2B5EF4-FFF2-40B4-BE49-F238E27FC236}">
+                <a16:creationId xmlns:a16="http://schemas.microsoft.com/office/drawing/2014/main" id="{D81B1FF4-BEC7-E85C-741C-127451BCA0DC}"/>
+              </a:ext>
+            </a:extLst>
+          </p:cNvPr>
+          <p:cNvGrpSpPr/>
+          <p:nvPr/>
+        </p:nvGrpSpPr>
+        <p:grpSpPr>
+          <a:xfrm>
+            <a:off x="2133600" y="3102343"/>
+            <a:ext cx="2618968" cy="616879"/>
+            <a:chOff x="0" y="0"/>
+            <a:chExt cx="985454" cy="232117"/>
+          </a:xfrm>
+        </p:grpSpPr>
+        <p:sp>
+          <p:nvSpPr>
+            <p:cNvPr id="12" name="Freeform 6">
+              <a:extLst>
+                <a:ext uri="{FF2B5EF4-FFF2-40B4-BE49-F238E27FC236}">
+                  <a16:creationId xmlns:a16="http://schemas.microsoft.com/office/drawing/2014/main" id="{9F79450D-0157-030F-02B0-54B8DE51EA8D}"/>
+                </a:ext>
+              </a:extLst>
+            </p:cNvPr>
+            <p:cNvSpPr/>
+            <p:nvPr/>
+          </p:nvSpPr>
+          <p:spPr>
+            <a:xfrm>
+              <a:off x="0" y="0"/>
+              <a:ext cx="985454" cy="232117"/>
+            </a:xfrm>
+            <a:custGeom>
+              <a:avLst/>
+              <a:gdLst/>
+              <a:ahLst/>
+              <a:cxnLst/>
+              <a:rect l="l" t="t" r="r" b="b"/>
+              <a:pathLst>
+                <a:path w="985454" h="232117">
+                  <a:moveTo>
+                    <a:pt x="116058" y="0"/>
+                  </a:moveTo>
+                  <a:lnTo>
+                    <a:pt x="869396" y="0"/>
+                  </a:lnTo>
+                  <a:cubicBezTo>
+                    <a:pt x="900176" y="0"/>
+                    <a:pt x="929696" y="12228"/>
+                    <a:pt x="951461" y="33993"/>
+                  </a:cubicBezTo>
+                  <a:cubicBezTo>
+                    <a:pt x="973227" y="55758"/>
+                    <a:pt x="985454" y="85278"/>
+                    <a:pt x="985454" y="116058"/>
+                  </a:cubicBezTo>
+                  <a:lnTo>
+                    <a:pt x="985454" y="116058"/>
+                  </a:lnTo>
+                  <a:cubicBezTo>
+                    <a:pt x="985454" y="146839"/>
+                    <a:pt x="973227" y="176359"/>
+                    <a:pt x="951461" y="198124"/>
+                  </a:cubicBezTo>
+                  <a:cubicBezTo>
+                    <a:pt x="929696" y="219889"/>
+                    <a:pt x="900176" y="232117"/>
+                    <a:pt x="869396" y="232117"/>
+                  </a:cubicBezTo>
+                  <a:lnTo>
+                    <a:pt x="116058" y="232117"/>
+                  </a:lnTo>
+                  <a:cubicBezTo>
+                    <a:pt x="85278" y="232117"/>
+                    <a:pt x="55758" y="219889"/>
+                    <a:pt x="33993" y="198124"/>
+                  </a:cubicBezTo>
+                  <a:cubicBezTo>
+                    <a:pt x="12228" y="176359"/>
+                    <a:pt x="0" y="146839"/>
+                    <a:pt x="0" y="116058"/>
+                  </a:cubicBezTo>
+                  <a:lnTo>
+                    <a:pt x="0" y="116058"/>
+                  </a:lnTo>
+                  <a:cubicBezTo>
+                    <a:pt x="0" y="85278"/>
+                    <a:pt x="12228" y="55758"/>
+                    <a:pt x="33993" y="33993"/>
+                  </a:cubicBezTo>
+                  <a:cubicBezTo>
+                    <a:pt x="55758" y="12228"/>
+                    <a:pt x="85278" y="0"/>
+                    <a:pt x="116058" y="0"/>
+                  </a:cubicBezTo>
+                  <a:close/>
+                </a:path>
+              </a:pathLst>
+            </a:custGeom>
+            <a:solidFill>
+              <a:srgbClr val="8CA9AD"/>
+            </a:solidFill>
+          </p:spPr>
+        </p:sp>
+        <p:sp>
+          <p:nvSpPr>
+            <p:cNvPr id="13" name="TextBox 7">
+              <a:extLst>
+                <a:ext uri="{FF2B5EF4-FFF2-40B4-BE49-F238E27FC236}">
+                  <a16:creationId xmlns:a16="http://schemas.microsoft.com/office/drawing/2014/main" id="{17702A0A-6865-03C3-A367-3B9D89BBE661}"/>
+                </a:ext>
+              </a:extLst>
+            </p:cNvPr>
+            <p:cNvSpPr txBox="1"/>
+            <p:nvPr/>
+          </p:nvSpPr>
+          <p:spPr>
+            <a:xfrm>
+              <a:off x="0" y="-57150"/>
+              <a:ext cx="985454" cy="289267"/>
+            </a:xfrm>
+            <a:prstGeom prst="rect">
+              <a:avLst/>
+            </a:prstGeom>
+          </p:spPr>
+          <p:txBody>
+            <a:bodyPr lIns="50800" tIns="50800" rIns="50800" bIns="50800" rtlCol="0" anchor="ctr"/>
+            <a:lstStyle/>
+            <a:p>
+              <a:pPr algn="ctr">
+                <a:lnSpc>
+                  <a:spcPts val="2659"/>
+                </a:lnSpc>
+                <a:spcBef>
+                  <a:spcPct val="0"/>
+                </a:spcBef>
+              </a:pPr>
+              <a:endParaRPr/>
+            </a:p>
+          </p:txBody>
+        </p:sp>
+      </p:grpSp>
+      <p:sp>
+        <p:nvSpPr>
+          <p:cNvPr id="17" name="TextBox 23">
+            <a:extLst>
+              <a:ext uri="{FF2B5EF4-FFF2-40B4-BE49-F238E27FC236}">
+                <a16:creationId xmlns:a16="http://schemas.microsoft.com/office/drawing/2014/main" id="{497CDC2F-6E6F-0775-19BB-271CD6EF138A}"/>
+              </a:ext>
+            </a:extLst>
+          </p:cNvPr>
+          <p:cNvSpPr txBox="1"/>
+          <p:nvPr/>
+        </p:nvSpPr>
+        <p:spPr>
+          <a:xfrm>
+            <a:off x="2416495" y="3236475"/>
+            <a:ext cx="3061073" cy="384721"/>
+          </a:xfrm>
+          <a:prstGeom prst="rect">
+            <a:avLst/>
+          </a:prstGeom>
+        </p:spPr>
+        <p:txBody>
+          <a:bodyPr lIns="0" tIns="0" rIns="0" bIns="0" rtlCol="0" anchor="t">
+            <a:spAutoFit/>
+          </a:bodyPr>
+          <a:lstStyle/>
+          <a:p>
+            <a:pPr>
+              <a:lnSpc>
+                <a:spcPts val="2970"/>
+              </a:lnSpc>
+            </a:pPr>
+            <a:r>
+              <a:rPr lang="en-US" sz="2700">
+                <a:solidFill>
+                  <a:srgbClr val="FFFFFF"/>
+                </a:solidFill>
+                <a:latin typeface="에스코어 드림 6 Bold" panose="020B0703030302020204" pitchFamily="34" charset="-127"/>
+                <a:ea typeface="에스코어 드림 6 Bold" panose="020B0703030302020204" pitchFamily="34" charset="-127"/>
+              </a:rPr>
+              <a:t>PEOPLE</a:t>
+            </a:r>
+          </a:p>
+        </p:txBody>
+      </p:sp>
+      <p:sp>
+        <p:nvSpPr>
+          <p:cNvPr id="19" name="TextBox 29">
+            <a:extLst>
+              <a:ext uri="{FF2B5EF4-FFF2-40B4-BE49-F238E27FC236}">
+                <a16:creationId xmlns:a16="http://schemas.microsoft.com/office/drawing/2014/main" id="{18695E10-5E27-04C1-4A01-D72180FA2769}"/>
+              </a:ext>
+            </a:extLst>
+          </p:cNvPr>
+          <p:cNvSpPr txBox="1"/>
+          <p:nvPr/>
+        </p:nvSpPr>
+        <p:spPr>
+          <a:xfrm>
+            <a:off x="2416495" y="3897856"/>
+            <a:ext cx="3536224" cy="1041400"/>
+          </a:xfrm>
+          <a:prstGeom prst="rect">
+            <a:avLst/>
+          </a:prstGeom>
+        </p:spPr>
+        <p:txBody>
+          <a:bodyPr lIns="0" tIns="0" rIns="0" bIns="0" rtlCol="0" anchor="t">
+            <a:spAutoFit/>
+          </a:bodyPr>
+          <a:lstStyle/>
+          <a:p>
+            <a:pPr>
+              <a:lnSpc>
+                <a:spcPts val="2749"/>
+              </a:lnSpc>
+            </a:pPr>
+            <a:r>
+              <a:rPr lang="en-US" sz="2499" dirty="0">
+                <a:solidFill>
+                  <a:srgbClr val="A6A6A6"/>
+                </a:solidFill>
+                <a:latin typeface="에스코어 드림 4 Regular" panose="020B0503030302020204" pitchFamily="34" charset="-127"/>
+                <a:ea typeface="에스코어 드림 4 Regular" panose="020B0503030302020204" pitchFamily="34" charset="-127"/>
+              </a:rPr>
+              <a:t>Lorem ipsum dolor sit </a:t>
+            </a:r>
+            <a:r>
+              <a:rPr lang="en-US" sz="2499" dirty="0" err="1">
+                <a:solidFill>
+                  <a:srgbClr val="A6A6A6"/>
+                </a:solidFill>
+                <a:latin typeface="에스코어 드림 4 Regular" panose="020B0503030302020204" pitchFamily="34" charset="-127"/>
+                <a:ea typeface="에스코어 드림 4 Regular" panose="020B0503030302020204" pitchFamily="34" charset="-127"/>
+              </a:rPr>
+              <a:t>amet</a:t>
+            </a:r>
+            <a:r>
+              <a:rPr lang="en-US" sz="2499" dirty="0">
+                <a:solidFill>
+                  <a:srgbClr val="A6A6A6"/>
+                </a:solidFill>
+                <a:latin typeface="에스코어 드림 4 Regular" panose="020B0503030302020204" pitchFamily="34" charset="-127"/>
+                <a:ea typeface="에스코어 드림 4 Regular" panose="020B0503030302020204" pitchFamily="34" charset="-127"/>
+              </a:rPr>
+              <a:t>, </a:t>
+            </a:r>
+            <a:r>
+              <a:rPr lang="en-US" sz="2499" dirty="0" err="1">
+                <a:solidFill>
+                  <a:srgbClr val="A6A6A6"/>
+                </a:solidFill>
+                <a:latin typeface="에스코어 드림 4 Regular" panose="020B0503030302020204" pitchFamily="34" charset="-127"/>
+                <a:ea typeface="에스코어 드림 4 Regular" panose="020B0503030302020204" pitchFamily="34" charset="-127"/>
+              </a:rPr>
+              <a:t>consectetur</a:t>
+            </a:r>
+            <a:r>
+              <a:rPr lang="en-US" sz="2499" dirty="0">
+                <a:solidFill>
+                  <a:srgbClr val="A6A6A6"/>
+                </a:solidFill>
+                <a:latin typeface="에스코어 드림 4 Regular" panose="020B0503030302020204" pitchFamily="34" charset="-127"/>
+                <a:ea typeface="에스코어 드림 4 Regular" panose="020B0503030302020204" pitchFamily="34" charset="-127"/>
+              </a:rPr>
+              <a:t> </a:t>
+            </a:r>
+            <a:r>
+              <a:rPr lang="en-US" sz="2499" dirty="0" err="1">
+                <a:solidFill>
+                  <a:srgbClr val="A6A6A6"/>
+                </a:solidFill>
+                <a:latin typeface="에스코어 드림 4 Regular" panose="020B0503030302020204" pitchFamily="34" charset="-127"/>
+                <a:ea typeface="에스코어 드림 4 Regular" panose="020B0503030302020204" pitchFamily="34" charset="-127"/>
+              </a:rPr>
+              <a:t>adipiscing</a:t>
+            </a:r>
+            <a:r>
+              <a:rPr lang="en-US" sz="2499" dirty="0">
+                <a:solidFill>
+                  <a:srgbClr val="A6A6A6"/>
+                </a:solidFill>
+                <a:latin typeface="에스코어 드림 4 Regular" panose="020B0503030302020204" pitchFamily="34" charset="-127"/>
+                <a:ea typeface="에스코어 드림 4 Regular" panose="020B0503030302020204" pitchFamily="34" charset="-127"/>
+              </a:rPr>
+              <a:t> </a:t>
+            </a:r>
+            <a:r>
+              <a:rPr lang="en-US" sz="2499" dirty="0" err="1">
+                <a:solidFill>
+                  <a:srgbClr val="A6A6A6"/>
+                </a:solidFill>
+                <a:latin typeface="에스코어 드림 4 Regular" panose="020B0503030302020204" pitchFamily="34" charset="-127"/>
+                <a:ea typeface="에스코어 드림 4 Regular" panose="020B0503030302020204" pitchFamily="34" charset="-127"/>
+              </a:rPr>
+              <a:t>elit</a:t>
+            </a:r>
+            <a:r>
+              <a:rPr lang="en-US" sz="2499" dirty="0">
+                <a:solidFill>
+                  <a:srgbClr val="A6A6A6"/>
+                </a:solidFill>
+                <a:latin typeface="에스코어 드림 4 Regular" panose="020B0503030302020204" pitchFamily="34" charset="-127"/>
+                <a:ea typeface="에스코어 드림 4 Regular" panose="020B0503030302020204" pitchFamily="34" charset="-127"/>
+              </a:rPr>
+              <a:t>.</a:t>
+            </a:r>
+          </a:p>
+        </p:txBody>
+      </p:sp>
+      <p:sp>
+        <p:nvSpPr>
+          <p:cNvPr id="22" name="TextBox 8">
+            <a:extLst>
+              <a:ext uri="{FF2B5EF4-FFF2-40B4-BE49-F238E27FC236}">
+                <a16:creationId xmlns:a16="http://schemas.microsoft.com/office/drawing/2014/main" id="{BF0972A7-786D-DD06-DB34-B31A3A6F4124}"/>
+              </a:ext>
+            </a:extLst>
+          </p:cNvPr>
+          <p:cNvSpPr txBox="1"/>
+          <p:nvPr/>
+        </p:nvSpPr>
+        <p:spPr>
+          <a:xfrm>
+            <a:off x="1443962" y="1289039"/>
+            <a:ext cx="6810622" cy="1200329"/>
+          </a:xfrm>
+          <a:prstGeom prst="rect">
+            <a:avLst/>
+          </a:prstGeom>
+        </p:spPr>
+        <p:txBody>
+          <a:bodyPr wrap="square" lIns="0" tIns="0" rIns="0" bIns="0" rtlCol="0" anchor="t">
+            <a:spAutoFit/>
+          </a:bodyPr>
+          <a:lstStyle/>
+          <a:p>
+            <a:r>
+              <a:rPr lang="en-US" altLang="ko-KR" sz="2400" dirty="0">
+                <a:solidFill>
+                  <a:srgbClr val="8CA9AD"/>
+                </a:solidFill>
+                <a:latin typeface="에스코어 드림 4 Regular" panose="020B0503030302020204" pitchFamily="34" charset="-127"/>
+                <a:ea typeface="에스코어 드림 4 Regular" panose="020B0503030302020204" pitchFamily="34" charset="-127"/>
+              </a:rPr>
+              <a:t>Part 3</a:t>
+            </a:r>
+          </a:p>
+          <a:p>
+            <a:r>
+              <a:rPr lang="ko-KR" altLang="en-US" sz="5400" spc="-300" dirty="0">
+                <a:solidFill>
+                  <a:srgbClr val="8CA9AD"/>
+                </a:solidFill>
+                <a:latin typeface="에스코어 드림 6 Bold" panose="020B0703030302020204" pitchFamily="34" charset="-127"/>
+                <a:ea typeface="에스코어 드림 6 Bold" panose="020B0703030302020204" pitchFamily="34" charset="-127"/>
+              </a:rPr>
+              <a:t>전국 등산로 분포</a:t>
+            </a:r>
+            <a:endParaRPr lang="en-US" sz="5400" spc="-300" dirty="0">
+              <a:solidFill>
+                <a:srgbClr val="8CA9AD"/>
+              </a:solidFill>
+              <a:latin typeface="에스코어 드림 6 Bold" panose="020B0703030302020204" pitchFamily="34" charset="-127"/>
+              <a:ea typeface="에스코어 드림 6 Bold" panose="020B0703030302020204" pitchFamily="34" charset="-127"/>
+            </a:endParaRPr>
+          </a:p>
+        </p:txBody>
+      </p:sp>
+    </p:spTree>
+    <p:extLst>
+      <p:ext uri="{BB962C8B-B14F-4D97-AF65-F5344CB8AC3E}">
+        <p14:creationId xmlns:p14="http://schemas.microsoft.com/office/powerpoint/2010/main" val="730599102"/>
+      </p:ext>
+    </p:extLst>
+  </p:cSld>
+  <p:clrMapOvr>
+    <a:masterClrMapping/>
+  </p:clrMapOvr>
+</p:sld>
+</file>
+
+<file path=ppt/slides/slide15.xml><?xml version="1.0" encoding="utf-8"?>
+<p:sld xmlns:a="http://schemas.openxmlformats.org/drawingml/2006/main" xmlns:r="http://schemas.openxmlformats.org/officeDocument/2006/relationships" xmlns:p="http://schemas.openxmlformats.org/presentationml/2006/main">
+  <p:cSld>
+    <p:spTree>
+      <p:nvGrpSpPr>
+        <p:cNvPr id="1" name=""/>
+        <p:cNvGrpSpPr/>
+        <p:nvPr/>
+      </p:nvGrpSpPr>
+      <p:grpSpPr>
+        <a:xfrm>
+          <a:off x="0" y="0"/>
+          <a:ext cx="0" cy="0"/>
+          <a:chOff x="0" y="0"/>
+          <a:chExt cx="0" cy="0"/>
+        </a:xfrm>
+      </p:grpSpPr>
+      <p:pic>
+        <p:nvPicPr>
+          <p:cNvPr id="10" name="그림 9">
+            <a:extLst>
+              <a:ext uri="{FF2B5EF4-FFF2-40B4-BE49-F238E27FC236}">
+                <a16:creationId xmlns:a16="http://schemas.microsoft.com/office/drawing/2014/main" id="{A92E9A31-96FF-3D58-0501-0F71F5B9799E}"/>
+              </a:ext>
+            </a:extLst>
+          </p:cNvPr>
+          <p:cNvPicPr>
+            <a:picLocks noChangeAspect="1"/>
+          </p:cNvPicPr>
+          <p:nvPr/>
+        </p:nvPicPr>
+        <p:blipFill>
+          <a:blip r:embed="rId2" cstate="print">
+            <a:extLst>
+              <a:ext uri="{28A0092B-C50C-407E-A947-70E740481C1C}">
+                <a14:useLocalDpi xmlns:a14="http://schemas.microsoft.com/office/drawing/2010/main" val="0"/>
+              </a:ext>
+            </a:extLst>
+          </a:blip>
+          <a:stretch>
+            <a:fillRect/>
+          </a:stretch>
+        </p:blipFill>
+        <p:spPr>
+          <a:xfrm>
+            <a:off x="9297805" y="1021305"/>
+            <a:ext cx="8244390" cy="8244390"/>
+          </a:xfrm>
+          <a:prstGeom prst="rect">
+            <a:avLst/>
+          </a:prstGeom>
+        </p:spPr>
+      </p:pic>
+      <p:grpSp>
+        <p:nvGrpSpPr>
+          <p:cNvPr id="7" name="Group 2">
+            <a:extLst>
+              <a:ext uri="{FF2B5EF4-FFF2-40B4-BE49-F238E27FC236}">
+                <a16:creationId xmlns:a16="http://schemas.microsoft.com/office/drawing/2014/main" id="{691389AB-4863-EB4B-C8ED-C6461B524C67}"/>
+              </a:ext>
+            </a:extLst>
+          </p:cNvPr>
+          <p:cNvGrpSpPr/>
+          <p:nvPr/>
+        </p:nvGrpSpPr>
+        <p:grpSpPr>
+          <a:xfrm>
+            <a:off x="1028700" y="811709"/>
+            <a:ext cx="16230600" cy="8446591"/>
+            <a:chOff x="0" y="-57150"/>
+            <a:chExt cx="4274726" cy="2224617"/>
+          </a:xfrm>
+        </p:grpSpPr>
+        <p:sp>
+          <p:nvSpPr>
+            <p:cNvPr id="8" name="Freeform 3">
+              <a:extLst>
+                <a:ext uri="{FF2B5EF4-FFF2-40B4-BE49-F238E27FC236}">
+                  <a16:creationId xmlns:a16="http://schemas.microsoft.com/office/drawing/2014/main" id="{ECA21775-BD1E-6306-D39F-F71D486F972F}"/>
+                </a:ext>
+              </a:extLst>
+            </p:cNvPr>
+            <p:cNvSpPr/>
+            <p:nvPr/>
+          </p:nvSpPr>
+          <p:spPr>
+            <a:xfrm>
+              <a:off x="0" y="0"/>
+              <a:ext cx="4274726" cy="2167467"/>
+            </a:xfrm>
+            <a:custGeom>
+              <a:avLst/>
+              <a:gdLst/>
+              <a:ahLst/>
+              <a:cxnLst/>
+              <a:rect l="l" t="t" r="r" b="b"/>
+              <a:pathLst>
+                <a:path w="4274726" h="2167467">
+                  <a:moveTo>
+                    <a:pt x="19080" y="0"/>
+                  </a:moveTo>
+                  <a:lnTo>
+                    <a:pt x="4255646" y="0"/>
+                  </a:lnTo>
+                  <a:cubicBezTo>
+                    <a:pt x="4266183" y="0"/>
+                    <a:pt x="4274726" y="8542"/>
+                    <a:pt x="4274726" y="19080"/>
+                  </a:cubicBezTo>
+                  <a:lnTo>
+                    <a:pt x="4274726" y="2148387"/>
+                  </a:lnTo>
+                  <a:cubicBezTo>
+                    <a:pt x="4274726" y="2158924"/>
+                    <a:pt x="4266183" y="2167467"/>
+                    <a:pt x="4255646" y="2167467"/>
+                  </a:cubicBezTo>
+                  <a:lnTo>
+                    <a:pt x="19080" y="2167467"/>
+                  </a:lnTo>
+                  <a:cubicBezTo>
+                    <a:pt x="8542" y="2167467"/>
+                    <a:pt x="0" y="2158924"/>
+                    <a:pt x="0" y="2148387"/>
+                  </a:cubicBezTo>
+                  <a:lnTo>
+                    <a:pt x="0" y="19080"/>
+                  </a:lnTo>
+                  <a:cubicBezTo>
+                    <a:pt x="0" y="8542"/>
+                    <a:pt x="8542" y="0"/>
+                    <a:pt x="19080" y="0"/>
+                  </a:cubicBezTo>
+                  <a:close/>
+                </a:path>
+              </a:pathLst>
+            </a:custGeom>
+            <a:solidFill>
+              <a:srgbClr val="000000">
+                <a:alpha val="0"/>
+              </a:srgbClr>
+            </a:solidFill>
+            <a:ln w="38100" cap="rnd">
+              <a:solidFill>
+                <a:srgbClr val="8CA9AD"/>
+              </a:solidFill>
+              <a:prstDash val="solid"/>
+              <a:round/>
+            </a:ln>
+          </p:spPr>
+        </p:sp>
+        <p:sp>
+          <p:nvSpPr>
+            <p:cNvPr id="9" name="TextBox 4">
+              <a:extLst>
+                <a:ext uri="{FF2B5EF4-FFF2-40B4-BE49-F238E27FC236}">
+                  <a16:creationId xmlns:a16="http://schemas.microsoft.com/office/drawing/2014/main" id="{31D17410-00DA-E8D1-2E11-FC694036FFED}"/>
+                </a:ext>
+              </a:extLst>
+            </p:cNvPr>
+            <p:cNvSpPr txBox="1"/>
+            <p:nvPr/>
+          </p:nvSpPr>
+          <p:spPr>
+            <a:xfrm>
+              <a:off x="0" y="-57150"/>
+              <a:ext cx="4274726" cy="2224617"/>
+            </a:xfrm>
+            <a:prstGeom prst="rect">
+              <a:avLst/>
+            </a:prstGeom>
+          </p:spPr>
+          <p:txBody>
+            <a:bodyPr lIns="50800" tIns="50800" rIns="50800" bIns="50800" rtlCol="0" anchor="ctr"/>
+            <a:lstStyle/>
+            <a:p>
+              <a:pPr algn="ctr">
+                <a:lnSpc>
+                  <a:spcPts val="2659"/>
+                </a:lnSpc>
+                <a:spcBef>
+                  <a:spcPct val="0"/>
+                </a:spcBef>
+              </a:pPr>
+              <a:endParaRPr/>
+            </a:p>
+          </p:txBody>
+        </p:sp>
+      </p:grpSp>
+      <p:grpSp>
+        <p:nvGrpSpPr>
+          <p:cNvPr id="11" name="Group 5">
+            <a:extLst>
+              <a:ext uri="{FF2B5EF4-FFF2-40B4-BE49-F238E27FC236}">
+                <a16:creationId xmlns:a16="http://schemas.microsoft.com/office/drawing/2014/main" id="{D81B1FF4-BEC7-E85C-741C-127451BCA0DC}"/>
+              </a:ext>
+            </a:extLst>
+          </p:cNvPr>
+          <p:cNvGrpSpPr/>
+          <p:nvPr/>
+        </p:nvGrpSpPr>
+        <p:grpSpPr>
+          <a:xfrm>
+            <a:off x="2133600" y="3102343"/>
+            <a:ext cx="2618968" cy="616879"/>
+            <a:chOff x="0" y="0"/>
+            <a:chExt cx="985454" cy="232117"/>
+          </a:xfrm>
+        </p:grpSpPr>
+        <p:sp>
+          <p:nvSpPr>
+            <p:cNvPr id="12" name="Freeform 6">
+              <a:extLst>
+                <a:ext uri="{FF2B5EF4-FFF2-40B4-BE49-F238E27FC236}">
+                  <a16:creationId xmlns:a16="http://schemas.microsoft.com/office/drawing/2014/main" id="{9F79450D-0157-030F-02B0-54B8DE51EA8D}"/>
+                </a:ext>
+              </a:extLst>
+            </p:cNvPr>
+            <p:cNvSpPr/>
+            <p:nvPr/>
+          </p:nvSpPr>
+          <p:spPr>
+            <a:xfrm>
+              <a:off x="0" y="0"/>
+              <a:ext cx="985454" cy="232117"/>
+            </a:xfrm>
+            <a:custGeom>
+              <a:avLst/>
+              <a:gdLst/>
+              <a:ahLst/>
+              <a:cxnLst/>
+              <a:rect l="l" t="t" r="r" b="b"/>
+              <a:pathLst>
+                <a:path w="985454" h="232117">
+                  <a:moveTo>
+                    <a:pt x="116058" y="0"/>
+                  </a:moveTo>
+                  <a:lnTo>
+                    <a:pt x="869396" y="0"/>
+                  </a:lnTo>
+                  <a:cubicBezTo>
+                    <a:pt x="900176" y="0"/>
+                    <a:pt x="929696" y="12228"/>
+                    <a:pt x="951461" y="33993"/>
+                  </a:cubicBezTo>
+                  <a:cubicBezTo>
+                    <a:pt x="973227" y="55758"/>
+                    <a:pt x="985454" y="85278"/>
+                    <a:pt x="985454" y="116058"/>
+                  </a:cubicBezTo>
+                  <a:lnTo>
+                    <a:pt x="985454" y="116058"/>
+                  </a:lnTo>
+                  <a:cubicBezTo>
+                    <a:pt x="985454" y="146839"/>
+                    <a:pt x="973227" y="176359"/>
+                    <a:pt x="951461" y="198124"/>
+                  </a:cubicBezTo>
+                  <a:cubicBezTo>
+                    <a:pt x="929696" y="219889"/>
+                    <a:pt x="900176" y="232117"/>
+                    <a:pt x="869396" y="232117"/>
+                  </a:cubicBezTo>
+                  <a:lnTo>
+                    <a:pt x="116058" y="232117"/>
+                  </a:lnTo>
+                  <a:cubicBezTo>
+                    <a:pt x="85278" y="232117"/>
+                    <a:pt x="55758" y="219889"/>
+                    <a:pt x="33993" y="198124"/>
+                  </a:cubicBezTo>
+                  <a:cubicBezTo>
+                    <a:pt x="12228" y="176359"/>
+                    <a:pt x="0" y="146839"/>
+                    <a:pt x="0" y="116058"/>
+                  </a:cubicBezTo>
+                  <a:lnTo>
+                    <a:pt x="0" y="116058"/>
+                  </a:lnTo>
+                  <a:cubicBezTo>
+                    <a:pt x="0" y="85278"/>
+                    <a:pt x="12228" y="55758"/>
+                    <a:pt x="33993" y="33993"/>
+                  </a:cubicBezTo>
+                  <a:cubicBezTo>
+                    <a:pt x="55758" y="12228"/>
+                    <a:pt x="85278" y="0"/>
+                    <a:pt x="116058" y="0"/>
+                  </a:cubicBezTo>
+                  <a:close/>
+                </a:path>
+              </a:pathLst>
+            </a:custGeom>
+            <a:solidFill>
+              <a:srgbClr val="8CA9AD"/>
+            </a:solidFill>
+          </p:spPr>
+        </p:sp>
+        <p:sp>
+          <p:nvSpPr>
+            <p:cNvPr id="13" name="TextBox 7">
+              <a:extLst>
+                <a:ext uri="{FF2B5EF4-FFF2-40B4-BE49-F238E27FC236}">
+                  <a16:creationId xmlns:a16="http://schemas.microsoft.com/office/drawing/2014/main" id="{17702A0A-6865-03C3-A367-3B9D89BBE661}"/>
+                </a:ext>
+              </a:extLst>
+            </p:cNvPr>
+            <p:cNvSpPr txBox="1"/>
+            <p:nvPr/>
+          </p:nvSpPr>
+          <p:spPr>
+            <a:xfrm>
+              <a:off x="0" y="-57150"/>
+              <a:ext cx="985454" cy="289267"/>
+            </a:xfrm>
+            <a:prstGeom prst="rect">
+              <a:avLst/>
+            </a:prstGeom>
+          </p:spPr>
+          <p:txBody>
+            <a:bodyPr lIns="50800" tIns="50800" rIns="50800" bIns="50800" rtlCol="0" anchor="ctr"/>
+            <a:lstStyle/>
+            <a:p>
+              <a:pPr algn="ctr">
+                <a:lnSpc>
+                  <a:spcPts val="2659"/>
+                </a:lnSpc>
+                <a:spcBef>
+                  <a:spcPct val="0"/>
+                </a:spcBef>
+              </a:pPr>
+              <a:endParaRPr/>
+            </a:p>
+          </p:txBody>
+        </p:sp>
+      </p:grpSp>
+      <p:sp>
+        <p:nvSpPr>
+          <p:cNvPr id="17" name="TextBox 23">
+            <a:extLst>
+              <a:ext uri="{FF2B5EF4-FFF2-40B4-BE49-F238E27FC236}">
+                <a16:creationId xmlns:a16="http://schemas.microsoft.com/office/drawing/2014/main" id="{497CDC2F-6E6F-0775-19BB-271CD6EF138A}"/>
+              </a:ext>
+            </a:extLst>
+          </p:cNvPr>
+          <p:cNvSpPr txBox="1"/>
+          <p:nvPr/>
+        </p:nvSpPr>
+        <p:spPr>
+          <a:xfrm>
+            <a:off x="2416495" y="3236475"/>
+            <a:ext cx="3061073" cy="384721"/>
+          </a:xfrm>
+          <a:prstGeom prst="rect">
+            <a:avLst/>
+          </a:prstGeom>
+        </p:spPr>
+        <p:txBody>
+          <a:bodyPr lIns="0" tIns="0" rIns="0" bIns="0" rtlCol="0" anchor="t">
+            <a:spAutoFit/>
+          </a:bodyPr>
+          <a:lstStyle/>
+          <a:p>
+            <a:pPr>
+              <a:lnSpc>
+                <a:spcPts val="2970"/>
+              </a:lnSpc>
+            </a:pPr>
+            <a:r>
+              <a:rPr lang="en-US" sz="2700">
+                <a:solidFill>
+                  <a:srgbClr val="FFFFFF"/>
+                </a:solidFill>
+                <a:latin typeface="에스코어 드림 6 Bold" panose="020B0703030302020204" pitchFamily="34" charset="-127"/>
+                <a:ea typeface="에스코어 드림 6 Bold" panose="020B0703030302020204" pitchFamily="34" charset="-127"/>
+              </a:rPr>
+              <a:t>PEOPLE</a:t>
+            </a:r>
+          </a:p>
+        </p:txBody>
+      </p:sp>
+      <p:sp>
+        <p:nvSpPr>
+          <p:cNvPr id="19" name="TextBox 29">
+            <a:extLst>
+              <a:ext uri="{FF2B5EF4-FFF2-40B4-BE49-F238E27FC236}">
+                <a16:creationId xmlns:a16="http://schemas.microsoft.com/office/drawing/2014/main" id="{18695E10-5E27-04C1-4A01-D72180FA2769}"/>
+              </a:ext>
+            </a:extLst>
+          </p:cNvPr>
+          <p:cNvSpPr txBox="1"/>
+          <p:nvPr/>
+        </p:nvSpPr>
+        <p:spPr>
+          <a:xfrm>
+            <a:off x="2416495" y="3897856"/>
+            <a:ext cx="3536224" cy="1041400"/>
+          </a:xfrm>
+          <a:prstGeom prst="rect">
+            <a:avLst/>
+          </a:prstGeom>
+        </p:spPr>
+        <p:txBody>
+          <a:bodyPr lIns="0" tIns="0" rIns="0" bIns="0" rtlCol="0" anchor="t">
+            <a:spAutoFit/>
+          </a:bodyPr>
+          <a:lstStyle/>
+          <a:p>
+            <a:pPr>
+              <a:lnSpc>
+                <a:spcPts val="2749"/>
+              </a:lnSpc>
+            </a:pPr>
+            <a:r>
+              <a:rPr lang="en-US" sz="2499" dirty="0">
+                <a:solidFill>
+                  <a:srgbClr val="A6A6A6"/>
+                </a:solidFill>
+                <a:latin typeface="에스코어 드림 4 Regular" panose="020B0503030302020204" pitchFamily="34" charset="-127"/>
+                <a:ea typeface="에스코어 드림 4 Regular" panose="020B0503030302020204" pitchFamily="34" charset="-127"/>
+              </a:rPr>
+              <a:t>Lorem ipsum dolor sit </a:t>
+            </a:r>
+            <a:r>
+              <a:rPr lang="en-US" sz="2499" dirty="0" err="1">
+                <a:solidFill>
+                  <a:srgbClr val="A6A6A6"/>
+                </a:solidFill>
+                <a:latin typeface="에스코어 드림 4 Regular" panose="020B0503030302020204" pitchFamily="34" charset="-127"/>
+                <a:ea typeface="에스코어 드림 4 Regular" panose="020B0503030302020204" pitchFamily="34" charset="-127"/>
+              </a:rPr>
+              <a:t>amet</a:t>
+            </a:r>
+            <a:r>
+              <a:rPr lang="en-US" sz="2499" dirty="0">
+                <a:solidFill>
+                  <a:srgbClr val="A6A6A6"/>
+                </a:solidFill>
+                <a:latin typeface="에스코어 드림 4 Regular" panose="020B0503030302020204" pitchFamily="34" charset="-127"/>
+                <a:ea typeface="에스코어 드림 4 Regular" panose="020B0503030302020204" pitchFamily="34" charset="-127"/>
+              </a:rPr>
+              <a:t>, </a:t>
+            </a:r>
+            <a:r>
+              <a:rPr lang="en-US" sz="2499" dirty="0" err="1">
+                <a:solidFill>
+                  <a:srgbClr val="A6A6A6"/>
+                </a:solidFill>
+                <a:latin typeface="에스코어 드림 4 Regular" panose="020B0503030302020204" pitchFamily="34" charset="-127"/>
+                <a:ea typeface="에스코어 드림 4 Regular" panose="020B0503030302020204" pitchFamily="34" charset="-127"/>
+              </a:rPr>
+              <a:t>consectetur</a:t>
+            </a:r>
+            <a:r>
+              <a:rPr lang="en-US" sz="2499" dirty="0">
+                <a:solidFill>
+                  <a:srgbClr val="A6A6A6"/>
+                </a:solidFill>
+                <a:latin typeface="에스코어 드림 4 Regular" panose="020B0503030302020204" pitchFamily="34" charset="-127"/>
+                <a:ea typeface="에스코어 드림 4 Regular" panose="020B0503030302020204" pitchFamily="34" charset="-127"/>
+              </a:rPr>
+              <a:t> </a:t>
+            </a:r>
+            <a:r>
+              <a:rPr lang="en-US" sz="2499" dirty="0" err="1">
+                <a:solidFill>
+                  <a:srgbClr val="A6A6A6"/>
+                </a:solidFill>
+                <a:latin typeface="에스코어 드림 4 Regular" panose="020B0503030302020204" pitchFamily="34" charset="-127"/>
+                <a:ea typeface="에스코어 드림 4 Regular" panose="020B0503030302020204" pitchFamily="34" charset="-127"/>
+              </a:rPr>
+              <a:t>adipiscing</a:t>
+            </a:r>
+            <a:r>
+              <a:rPr lang="en-US" sz="2499" dirty="0">
+                <a:solidFill>
+                  <a:srgbClr val="A6A6A6"/>
+                </a:solidFill>
+                <a:latin typeface="에스코어 드림 4 Regular" panose="020B0503030302020204" pitchFamily="34" charset="-127"/>
+                <a:ea typeface="에스코어 드림 4 Regular" panose="020B0503030302020204" pitchFamily="34" charset="-127"/>
+              </a:rPr>
+              <a:t> </a:t>
+            </a:r>
+            <a:r>
+              <a:rPr lang="en-US" sz="2499" dirty="0" err="1">
+                <a:solidFill>
+                  <a:srgbClr val="A6A6A6"/>
+                </a:solidFill>
+                <a:latin typeface="에스코어 드림 4 Regular" panose="020B0503030302020204" pitchFamily="34" charset="-127"/>
+                <a:ea typeface="에스코어 드림 4 Regular" panose="020B0503030302020204" pitchFamily="34" charset="-127"/>
+              </a:rPr>
+              <a:t>elit</a:t>
+            </a:r>
+            <a:r>
+              <a:rPr lang="en-US" sz="2499" dirty="0">
+                <a:solidFill>
+                  <a:srgbClr val="A6A6A6"/>
+                </a:solidFill>
+                <a:latin typeface="에스코어 드림 4 Regular" panose="020B0503030302020204" pitchFamily="34" charset="-127"/>
+                <a:ea typeface="에스코어 드림 4 Regular" panose="020B0503030302020204" pitchFamily="34" charset="-127"/>
+              </a:rPr>
+              <a:t>.</a:t>
+            </a:r>
+          </a:p>
+        </p:txBody>
+      </p:sp>
+      <p:sp>
+        <p:nvSpPr>
+          <p:cNvPr id="22" name="TextBox 8">
+            <a:extLst>
+              <a:ext uri="{FF2B5EF4-FFF2-40B4-BE49-F238E27FC236}">
+                <a16:creationId xmlns:a16="http://schemas.microsoft.com/office/drawing/2014/main" id="{BF0972A7-786D-DD06-DB34-B31A3A6F4124}"/>
+              </a:ext>
+            </a:extLst>
+          </p:cNvPr>
+          <p:cNvSpPr txBox="1"/>
+          <p:nvPr/>
+        </p:nvSpPr>
+        <p:spPr>
+          <a:xfrm>
+            <a:off x="1443962" y="1289039"/>
+            <a:ext cx="6810622" cy="1200329"/>
+          </a:xfrm>
+          <a:prstGeom prst="rect">
+            <a:avLst/>
+          </a:prstGeom>
+        </p:spPr>
+        <p:txBody>
+          <a:bodyPr wrap="square" lIns="0" tIns="0" rIns="0" bIns="0" rtlCol="0" anchor="t">
+            <a:spAutoFit/>
+          </a:bodyPr>
+          <a:lstStyle/>
+          <a:p>
+            <a:r>
+              <a:rPr lang="en-US" altLang="ko-KR" sz="2400" dirty="0">
+                <a:solidFill>
+                  <a:srgbClr val="8CA9AD"/>
+                </a:solidFill>
+                <a:latin typeface="에스코어 드림 4 Regular" panose="020B0503030302020204" pitchFamily="34" charset="-127"/>
+                <a:ea typeface="에스코어 드림 4 Regular" panose="020B0503030302020204" pitchFamily="34" charset="-127"/>
+              </a:rPr>
+              <a:t>Part 4</a:t>
+            </a:r>
+          </a:p>
+          <a:p>
+            <a:r>
+              <a:rPr lang="ko-KR" altLang="en-US" sz="5400" spc="-300" dirty="0">
+                <a:solidFill>
+                  <a:srgbClr val="8CA9AD"/>
+                </a:solidFill>
+                <a:latin typeface="에스코어 드림 6 Bold" panose="020B0703030302020204" pitchFamily="34" charset="-127"/>
+                <a:ea typeface="에스코어 드림 6 Bold" panose="020B0703030302020204" pitchFamily="34" charset="-127"/>
+              </a:rPr>
+              <a:t>산불 위험 예보 정보</a:t>
+            </a:r>
+            <a:endParaRPr lang="en-US" sz="5400" spc="-300" dirty="0">
+              <a:solidFill>
+                <a:srgbClr val="8CA9AD"/>
+              </a:solidFill>
+              <a:latin typeface="에스코어 드림 6 Bold" panose="020B0703030302020204" pitchFamily="34" charset="-127"/>
+              <a:ea typeface="에스코어 드림 6 Bold" panose="020B0703030302020204" pitchFamily="34" charset="-127"/>
+            </a:endParaRPr>
+          </a:p>
+        </p:txBody>
+      </p:sp>
+    </p:spTree>
+    <p:extLst>
+      <p:ext uri="{BB962C8B-B14F-4D97-AF65-F5344CB8AC3E}">
+        <p14:creationId xmlns:p14="http://schemas.microsoft.com/office/powerpoint/2010/main" val="3439843808"/>
+      </p:ext>
+    </p:extLst>
+  </p:cSld>
+  <p:clrMapOvr>
+    <a:masterClrMapping/>
+  </p:clrMapOvr>
+</p:sld>
+</file>
+
+<file path=ppt/slides/slide16.xml><?xml version="1.0" encoding="utf-8"?>
+<p:sld xmlns:a="http://schemas.openxmlformats.org/drawingml/2006/main" xmlns:r="http://schemas.openxmlformats.org/officeDocument/2006/relationships" xmlns:p="http://schemas.openxmlformats.org/presentationml/2006/main">
+  <p:cSld>
+    <p:spTree>
+      <p:nvGrpSpPr>
+        <p:cNvPr id="1" name=""/>
+        <p:cNvGrpSpPr/>
+        <p:nvPr/>
+      </p:nvGrpSpPr>
+      <p:grpSpPr>
+        <a:xfrm>
+          <a:off x="0" y="0"/>
+          <a:ext cx="0" cy="0"/>
+          <a:chOff x="0" y="0"/>
+          <a:chExt cx="0" cy="0"/>
+        </a:xfrm>
+      </p:grpSpPr>
+      <p:grpSp>
+        <p:nvGrpSpPr>
+          <p:cNvPr id="2" name="Group 2">
+            <a:extLst>
+              <a:ext uri="{FF2B5EF4-FFF2-40B4-BE49-F238E27FC236}">
+                <a16:creationId xmlns:a16="http://schemas.microsoft.com/office/drawing/2014/main" id="{58ABADCA-077E-D62B-8350-F16265E9417E}"/>
+              </a:ext>
+            </a:extLst>
+          </p:cNvPr>
+          <p:cNvGrpSpPr/>
+          <p:nvPr/>
+        </p:nvGrpSpPr>
+        <p:grpSpPr>
+          <a:xfrm>
+            <a:off x="1028700" y="1028700"/>
+            <a:ext cx="16230600" cy="8229600"/>
+            <a:chOff x="0" y="0"/>
+            <a:chExt cx="4274726" cy="2167467"/>
+          </a:xfrm>
+        </p:grpSpPr>
+        <p:sp>
+          <p:nvSpPr>
+            <p:cNvPr id="3" name="Freeform 3">
+              <a:extLst>
+                <a:ext uri="{FF2B5EF4-FFF2-40B4-BE49-F238E27FC236}">
+                  <a16:creationId xmlns:a16="http://schemas.microsoft.com/office/drawing/2014/main" id="{C3F86B8E-2D80-68A9-EF56-91228C0DAEDC}"/>
+                </a:ext>
+              </a:extLst>
+            </p:cNvPr>
+            <p:cNvSpPr/>
+            <p:nvPr/>
+          </p:nvSpPr>
+          <p:spPr>
+            <a:xfrm>
+              <a:off x="0" y="0"/>
+              <a:ext cx="4274726" cy="2167467"/>
+            </a:xfrm>
+            <a:custGeom>
+              <a:avLst/>
+              <a:gdLst/>
+              <a:ahLst/>
+              <a:cxnLst/>
+              <a:rect l="l" t="t" r="r" b="b"/>
+              <a:pathLst>
+                <a:path w="4274726" h="2167467">
+                  <a:moveTo>
+                    <a:pt x="22896" y="0"/>
+                  </a:moveTo>
+                  <a:lnTo>
+                    <a:pt x="4251830" y="0"/>
+                  </a:lnTo>
+                  <a:cubicBezTo>
+                    <a:pt x="4264475" y="0"/>
+                    <a:pt x="4274726" y="10251"/>
+                    <a:pt x="4274726" y="22896"/>
+                  </a:cubicBezTo>
+                  <a:lnTo>
+                    <a:pt x="4274726" y="2144571"/>
+                  </a:lnTo>
+                  <a:cubicBezTo>
+                    <a:pt x="4274726" y="2150643"/>
+                    <a:pt x="4272314" y="2156467"/>
+                    <a:pt x="4268020" y="2160761"/>
+                  </a:cubicBezTo>
+                  <a:cubicBezTo>
+                    <a:pt x="4263726" y="2165054"/>
+                    <a:pt x="4257903" y="2167467"/>
+                    <a:pt x="4251830" y="2167467"/>
+                  </a:cubicBezTo>
+                  <a:lnTo>
+                    <a:pt x="22896" y="2167467"/>
+                  </a:lnTo>
+                  <a:cubicBezTo>
+                    <a:pt x="16823" y="2167467"/>
+                    <a:pt x="11000" y="2165054"/>
+                    <a:pt x="6706" y="2160761"/>
+                  </a:cubicBezTo>
+                  <a:cubicBezTo>
+                    <a:pt x="2412" y="2156467"/>
+                    <a:pt x="0" y="2150643"/>
+                    <a:pt x="0" y="2144571"/>
+                  </a:cubicBezTo>
+                  <a:lnTo>
+                    <a:pt x="0" y="22896"/>
+                  </a:lnTo>
+                  <a:cubicBezTo>
+                    <a:pt x="0" y="16823"/>
+                    <a:pt x="2412" y="11000"/>
+                    <a:pt x="6706" y="6706"/>
+                  </a:cubicBezTo>
+                  <a:cubicBezTo>
+                    <a:pt x="11000" y="2412"/>
+                    <a:pt x="16823" y="0"/>
+                    <a:pt x="22896" y="0"/>
+                  </a:cubicBezTo>
+                  <a:close/>
+                </a:path>
+              </a:pathLst>
+            </a:custGeom>
+            <a:solidFill>
+              <a:srgbClr val="8CA9AD"/>
+            </a:solidFill>
+          </p:spPr>
+        </p:sp>
+        <p:sp>
+          <p:nvSpPr>
+            <p:cNvPr id="4" name="TextBox 4">
+              <a:extLst>
+                <a:ext uri="{FF2B5EF4-FFF2-40B4-BE49-F238E27FC236}">
+                  <a16:creationId xmlns:a16="http://schemas.microsoft.com/office/drawing/2014/main" id="{08FA21CA-B695-7B51-1073-BDA37BE6BAC9}"/>
+                </a:ext>
+              </a:extLst>
+            </p:cNvPr>
+            <p:cNvSpPr txBox="1"/>
+            <p:nvPr/>
+          </p:nvSpPr>
+          <p:spPr>
+            <a:xfrm>
+              <a:off x="0" y="-57150"/>
+              <a:ext cx="4274726" cy="2224617"/>
+            </a:xfrm>
+            <a:prstGeom prst="rect">
+              <a:avLst/>
+            </a:prstGeom>
+          </p:spPr>
+          <p:txBody>
+            <a:bodyPr lIns="50800" tIns="50800" rIns="50800" bIns="50800" rtlCol="0" anchor="ctr"/>
+            <a:lstStyle/>
+            <a:p>
+              <a:pPr algn="ctr">
+                <a:lnSpc>
+                  <a:spcPts val="2659"/>
+                </a:lnSpc>
+                <a:spcBef>
+                  <a:spcPct val="0"/>
+                </a:spcBef>
+              </a:pPr>
+              <a:endParaRPr/>
+            </a:p>
+          </p:txBody>
+        </p:sp>
+      </p:grpSp>
+      <p:sp>
+        <p:nvSpPr>
+          <p:cNvPr id="5" name="Freeform 5">
+            <a:extLst>
+              <a:ext uri="{FF2B5EF4-FFF2-40B4-BE49-F238E27FC236}">
+                <a16:creationId xmlns:a16="http://schemas.microsoft.com/office/drawing/2014/main" id="{2280531F-0257-1064-C122-EBE20A2D6B7E}"/>
+              </a:ext>
+            </a:extLst>
+          </p:cNvPr>
+          <p:cNvSpPr/>
+          <p:nvPr/>
+        </p:nvSpPr>
+        <p:spPr>
+          <a:xfrm>
+            <a:off x="1981200" y="-94024"/>
+            <a:ext cx="4102978" cy="2245448"/>
+          </a:xfrm>
+          <a:custGeom>
+            <a:avLst/>
+            <a:gdLst/>
+            <a:ahLst/>
+            <a:cxnLst/>
+            <a:rect l="l" t="t" r="r" b="b"/>
+            <a:pathLst>
+              <a:path w="4102978" h="2245448">
+                <a:moveTo>
+                  <a:pt x="0" y="0"/>
+                </a:moveTo>
+                <a:lnTo>
+                  <a:pt x="4102978" y="0"/>
+                </a:lnTo>
+                <a:lnTo>
+                  <a:pt x="4102978" y="2245448"/>
+                </a:lnTo>
+                <a:lnTo>
+                  <a:pt x="0" y="2245448"/>
+                </a:lnTo>
+                <a:lnTo>
+                  <a:pt x="0" y="0"/>
+                </a:lnTo>
+                <a:close/>
+              </a:path>
+            </a:pathLst>
+          </a:custGeom>
+          <a:blipFill>
+            <a:blip r:embed="rId2">
+              <a:extLst>
+                <a:ext uri="{96DAC541-7B7A-43D3-8B79-37D633B846F1}">
+                  <asvg:svgBlip xmlns:asvg="http://schemas.microsoft.com/office/drawing/2016/SVG/main" r:embed="rId3"/>
+                </a:ext>
+              </a:extLst>
+            </a:blip>
+            <a:stretch>
+              <a:fillRect/>
+            </a:stretch>
+          </a:blipFill>
+        </p:spPr>
+      </p:sp>
+      <p:sp>
+        <p:nvSpPr>
+          <p:cNvPr id="6" name="Freeform 6">
+            <a:extLst>
+              <a:ext uri="{FF2B5EF4-FFF2-40B4-BE49-F238E27FC236}">
+                <a16:creationId xmlns:a16="http://schemas.microsoft.com/office/drawing/2014/main" id="{8DD6008F-0343-6CCF-DA59-7F7489795B68}"/>
+              </a:ext>
+            </a:extLst>
+          </p:cNvPr>
+          <p:cNvSpPr/>
+          <p:nvPr/>
+        </p:nvSpPr>
+        <p:spPr>
+          <a:xfrm>
+            <a:off x="1981200" y="6267450"/>
+            <a:ext cx="2880360" cy="4114800"/>
+          </a:xfrm>
+          <a:custGeom>
+            <a:avLst/>
+            <a:gdLst/>
+            <a:ahLst/>
+            <a:cxnLst/>
+            <a:rect l="l" t="t" r="r" b="b"/>
+            <a:pathLst>
+              <a:path w="2880360" h="4114800">
+                <a:moveTo>
+                  <a:pt x="0" y="0"/>
+                </a:moveTo>
+                <a:lnTo>
+                  <a:pt x="2880360" y="0"/>
+                </a:lnTo>
+                <a:lnTo>
+                  <a:pt x="2880360" y="4114800"/>
+                </a:lnTo>
+                <a:lnTo>
+                  <a:pt x="0" y="4114800"/>
+                </a:lnTo>
+                <a:lnTo>
+                  <a:pt x="0" y="0"/>
+                </a:lnTo>
+                <a:close/>
+              </a:path>
+            </a:pathLst>
+          </a:custGeom>
+          <a:blipFill>
+            <a:blip r:embed="rId4">
+              <a:extLst>
+                <a:ext uri="{96DAC541-7B7A-43D3-8B79-37D633B846F1}">
+                  <asvg:svgBlip xmlns:asvg="http://schemas.microsoft.com/office/drawing/2016/SVG/main" r:embed="rId5"/>
+                </a:ext>
+              </a:extLst>
+            </a:blip>
+            <a:stretch>
+              <a:fillRect/>
+            </a:stretch>
+          </a:blipFill>
+        </p:spPr>
+      </p:sp>
+      <p:sp>
+        <p:nvSpPr>
+          <p:cNvPr id="7" name="TextBox 7">
+            <a:extLst>
+              <a:ext uri="{FF2B5EF4-FFF2-40B4-BE49-F238E27FC236}">
+                <a16:creationId xmlns:a16="http://schemas.microsoft.com/office/drawing/2014/main" id="{EB0316AD-BEFA-6E9F-9708-975A01225906}"/>
+              </a:ext>
+            </a:extLst>
+          </p:cNvPr>
+          <p:cNvSpPr txBox="1"/>
+          <p:nvPr/>
+        </p:nvSpPr>
+        <p:spPr>
+          <a:xfrm>
+            <a:off x="4245946" y="4073763"/>
+            <a:ext cx="10620170" cy="1660526"/>
+          </a:xfrm>
+          <a:prstGeom prst="rect">
+            <a:avLst/>
+          </a:prstGeom>
+        </p:spPr>
+        <p:txBody>
+          <a:bodyPr lIns="0" tIns="0" rIns="0" bIns="0" rtlCol="0" anchor="t">
+            <a:spAutoFit/>
+          </a:bodyPr>
+          <a:lstStyle/>
+          <a:p>
+            <a:pPr algn="r">
+              <a:lnSpc>
+                <a:spcPts val="12500"/>
+              </a:lnSpc>
+            </a:pPr>
+            <a:r>
+              <a:rPr lang="en-US" sz="12500" dirty="0">
+                <a:solidFill>
+                  <a:srgbClr val="FFFFFF"/>
+                </a:solidFill>
+                <a:latin typeface="DM Sans Bold"/>
+              </a:rPr>
+              <a:t>THANK YOU</a:t>
+            </a:r>
+          </a:p>
+        </p:txBody>
+      </p:sp>
+      <p:sp>
+        <p:nvSpPr>
+          <p:cNvPr id="8" name="TextBox 8">
+            <a:extLst>
+              <a:ext uri="{FF2B5EF4-FFF2-40B4-BE49-F238E27FC236}">
+                <a16:creationId xmlns:a16="http://schemas.microsoft.com/office/drawing/2014/main" id="{17BEE73F-CF02-AC6F-9C88-21AA7C106BA5}"/>
+              </a:ext>
+            </a:extLst>
+          </p:cNvPr>
+          <p:cNvSpPr txBox="1"/>
+          <p:nvPr/>
+        </p:nvSpPr>
+        <p:spPr>
+          <a:xfrm>
+            <a:off x="9144000" y="5762863"/>
+            <a:ext cx="5722116" cy="501656"/>
+          </a:xfrm>
+          <a:prstGeom prst="rect">
+            <a:avLst/>
+          </a:prstGeom>
+        </p:spPr>
+        <p:txBody>
+          <a:bodyPr lIns="0" tIns="0" rIns="0" bIns="0" rtlCol="0" anchor="t">
+            <a:spAutoFit/>
+          </a:bodyPr>
+          <a:lstStyle/>
+          <a:p>
+            <a:pPr algn="r">
+              <a:lnSpc>
+                <a:spcPts val="3850"/>
+              </a:lnSpc>
+            </a:pPr>
+            <a:r>
+              <a:rPr lang="en-US" sz="3500">
+                <a:solidFill>
+                  <a:srgbClr val="FFFFFF"/>
+                </a:solidFill>
+                <a:latin typeface="DM Sans Bold"/>
+              </a:rPr>
+              <a:t>Have any question?</a:t>
+            </a:r>
+          </a:p>
+        </p:txBody>
+      </p:sp>
+      <p:sp>
+        <p:nvSpPr>
+          <p:cNvPr id="10" name="Freeform 10">
+            <a:extLst>
+              <a:ext uri="{FF2B5EF4-FFF2-40B4-BE49-F238E27FC236}">
+                <a16:creationId xmlns:a16="http://schemas.microsoft.com/office/drawing/2014/main" id="{887C49B7-67ED-BDD2-937C-3CA9E96C7205}"/>
+              </a:ext>
+            </a:extLst>
+          </p:cNvPr>
+          <p:cNvSpPr/>
+          <p:nvPr/>
+        </p:nvSpPr>
+        <p:spPr>
+          <a:xfrm rot="-10800000">
+            <a:off x="5623560" y="7673106"/>
+            <a:ext cx="3422956" cy="2613894"/>
+          </a:xfrm>
+          <a:custGeom>
+            <a:avLst/>
+            <a:gdLst/>
+            <a:ahLst/>
+            <a:cxnLst/>
+            <a:rect l="l" t="t" r="r" b="b"/>
+            <a:pathLst>
+              <a:path w="3422956" h="2613894">
+                <a:moveTo>
+                  <a:pt x="0" y="0"/>
+                </a:moveTo>
+                <a:lnTo>
+                  <a:pt x="3422956" y="0"/>
+                </a:lnTo>
+                <a:lnTo>
+                  <a:pt x="3422956" y="2613894"/>
+                </a:lnTo>
+                <a:lnTo>
+                  <a:pt x="0" y="2613894"/>
+                </a:lnTo>
+                <a:lnTo>
+                  <a:pt x="0" y="0"/>
+                </a:lnTo>
+                <a:close/>
+              </a:path>
+            </a:pathLst>
+          </a:custGeom>
+          <a:blipFill>
+            <a:blip r:embed="rId6">
+              <a:extLst>
+                <a:ext uri="{96DAC541-7B7A-43D3-8B79-37D633B846F1}">
+                  <asvg:svgBlip xmlns:asvg="http://schemas.microsoft.com/office/drawing/2016/SVG/main" r:embed="rId7"/>
+                </a:ext>
+              </a:extLst>
+            </a:blip>
+            <a:stretch>
+              <a:fillRect/>
+            </a:stretch>
+          </a:blipFill>
+        </p:spPr>
+      </p:sp>
+    </p:spTree>
+    <p:extLst>
+      <p:ext uri="{BB962C8B-B14F-4D97-AF65-F5344CB8AC3E}">
+        <p14:creationId xmlns:p14="http://schemas.microsoft.com/office/powerpoint/2010/main" val="1105944323"/>
+      </p:ext>
+    </p:extLst>
   </p:cSld>
   <p:clrMapOvr>
     <a:masterClrMapping/>
@@ -8129,7 +10880,7 @@
         </p:nvSpPr>
         <p:spPr>
           <a:xfrm rot="-10800000">
-            <a:off x="15623307" y="6109396"/>
+            <a:off x="15623307" y="6287086"/>
             <a:ext cx="4570753" cy="0"/>
           </a:xfrm>
           <a:prstGeom prst="line">
@@ -8159,7 +10910,7 @@
         </p:nvSpPr>
         <p:spPr>
           <a:xfrm>
-            <a:off x="-76199" y="3365610"/>
+            <a:off x="-76199" y="3543300"/>
             <a:ext cx="5739226" cy="0"/>
           </a:xfrm>
           <a:prstGeom prst="line">
@@ -8189,7 +10940,7 @@
         </p:nvSpPr>
         <p:spPr>
           <a:xfrm>
-            <a:off x="5244079" y="3680205"/>
+            <a:off x="5244079" y="3857895"/>
             <a:ext cx="837894" cy="501650"/>
           </a:xfrm>
           <a:prstGeom prst="rect">
@@ -8234,7 +10985,7 @@
         </p:nvSpPr>
         <p:spPr>
           <a:xfrm>
-            <a:off x="4240372" y="4211094"/>
+            <a:off x="4240372" y="4388784"/>
             <a:ext cx="2845308" cy="346249"/>
           </a:xfrm>
           <a:prstGeom prst="rect">
@@ -8286,7 +11037,7 @@
         </p:nvSpPr>
         <p:spPr>
           <a:xfrm>
-            <a:off x="5750013" y="3365610"/>
+            <a:off x="5750013" y="3543300"/>
             <a:ext cx="3723013" cy="0"/>
           </a:xfrm>
           <a:prstGeom prst="line">
@@ -8316,7 +11067,7 @@
         </p:nvSpPr>
         <p:spPr>
           <a:xfrm>
-            <a:off x="9560013" y="3365610"/>
+            <a:off x="9560013" y="3543300"/>
             <a:ext cx="3723013" cy="0"/>
           </a:xfrm>
           <a:prstGeom prst="line">
@@ -8346,7 +11097,7 @@
         </p:nvSpPr>
         <p:spPr>
           <a:xfrm rot="-10800000">
-            <a:off x="10971553" y="6095328"/>
+            <a:off x="10971553" y="6273018"/>
             <a:ext cx="4570753" cy="0"/>
           </a:xfrm>
           <a:prstGeom prst="line">
@@ -8376,7 +11127,7 @@
         </p:nvSpPr>
         <p:spPr>
           <a:xfrm rot="-10800000">
-            <a:off x="6400800" y="6095327"/>
+            <a:off x="6400800" y="6273017"/>
             <a:ext cx="4570753" cy="0"/>
           </a:xfrm>
           <a:prstGeom prst="line">
@@ -8406,7 +11157,7 @@
         </p:nvSpPr>
         <p:spPr>
           <a:xfrm rot="-10800000">
-            <a:off x="1830047" y="6095325"/>
+            <a:off x="1830047" y="6273015"/>
             <a:ext cx="4570753" cy="0"/>
           </a:xfrm>
           <a:prstGeom prst="line">
@@ -8436,7 +11187,7 @@
         </p:nvSpPr>
         <p:spPr>
           <a:xfrm>
-            <a:off x="8988324" y="3680205"/>
+            <a:off x="8988324" y="3857895"/>
             <a:ext cx="1115535" cy="487313"/>
           </a:xfrm>
           <a:prstGeom prst="rect">
@@ -8481,7 +11232,7 @@
         </p:nvSpPr>
         <p:spPr>
           <a:xfrm>
-            <a:off x="8029270" y="4211094"/>
+            <a:off x="8029270" y="4388784"/>
             <a:ext cx="3033641" cy="346249"/>
           </a:xfrm>
           <a:prstGeom prst="rect">
@@ -8533,7 +11284,7 @@
         </p:nvSpPr>
         <p:spPr>
           <a:xfrm>
-            <a:off x="12725258" y="3680205"/>
+            <a:off x="12725258" y="3857895"/>
             <a:ext cx="1115535" cy="487313"/>
           </a:xfrm>
           <a:prstGeom prst="rect">
@@ -8578,7 +11329,7 @@
         </p:nvSpPr>
         <p:spPr>
           <a:xfrm>
-            <a:off x="12223405" y="4211094"/>
+            <a:off x="12223405" y="4388784"/>
             <a:ext cx="2119241" cy="346249"/>
           </a:xfrm>
           <a:prstGeom prst="rect">
@@ -8630,7 +11381,7 @@
         </p:nvSpPr>
         <p:spPr>
           <a:xfrm>
-            <a:off x="1411100" y="6409918"/>
+            <a:off x="1411100" y="6587608"/>
             <a:ext cx="837894" cy="501650"/>
           </a:xfrm>
           <a:prstGeom prst="rect">
@@ -8675,7 +11426,7 @@
         </p:nvSpPr>
         <p:spPr>
           <a:xfrm>
-            <a:off x="802126" y="6940807"/>
+            <a:off x="802126" y="7118497"/>
             <a:ext cx="2055842" cy="346249"/>
           </a:xfrm>
           <a:prstGeom prst="rect">
@@ -8727,7 +11478,7 @@
         </p:nvSpPr>
         <p:spPr>
           <a:xfrm>
-            <a:off x="6021787" y="6439157"/>
+            <a:off x="6021787" y="6616847"/>
             <a:ext cx="837894" cy="501650"/>
           </a:xfrm>
           <a:prstGeom prst="rect">
@@ -8772,7 +11523,7 @@
         </p:nvSpPr>
         <p:spPr>
           <a:xfrm>
-            <a:off x="5412813" y="6970046"/>
+            <a:off x="5412813" y="7147736"/>
             <a:ext cx="2055842" cy="346249"/>
           </a:xfrm>
           <a:prstGeom prst="rect">
@@ -8834,7 +11585,7 @@
         </p:nvSpPr>
         <p:spPr>
           <a:xfrm>
-            <a:off x="10583626" y="6439157"/>
+            <a:off x="10583626" y="6616847"/>
             <a:ext cx="837894" cy="501650"/>
           </a:xfrm>
           <a:prstGeom prst="rect">
@@ -8879,7 +11630,7 @@
         </p:nvSpPr>
         <p:spPr>
           <a:xfrm>
-            <a:off x="9472020" y="6970046"/>
+            <a:off x="9472020" y="7147736"/>
             <a:ext cx="3061107" cy="346249"/>
           </a:xfrm>
           <a:prstGeom prst="rect">
@@ -8931,7 +11682,7 @@
         </p:nvSpPr>
         <p:spPr>
           <a:xfrm>
-            <a:off x="15204359" y="6409918"/>
+            <a:off x="15204359" y="6587608"/>
             <a:ext cx="837894" cy="487313"/>
           </a:xfrm>
           <a:prstGeom prst="rect">
@@ -8976,7 +11727,7 @@
         </p:nvSpPr>
         <p:spPr>
           <a:xfrm>
-            <a:off x="13758241" y="6940807"/>
+            <a:off x="13758241" y="7118497"/>
             <a:ext cx="3730131" cy="346249"/>
           </a:xfrm>
           <a:prstGeom prst="rect">
@@ -9011,6 +11762,51 @@
               <a:latin typeface="에스코어 드림 4 Regular" panose="020B0503030302020204" pitchFamily="34" charset="-127"/>
               <a:ea typeface="에스코어 드림 4 Regular" panose="020B0503030302020204" pitchFamily="34" charset="-127"/>
             </a:endParaRPr>
+          </a:p>
+        </p:txBody>
+      </p:sp>
+      <p:sp>
+        <p:nvSpPr>
+          <p:cNvPr id="5" name="TextBox 35">
+            <a:extLst>
+              <a:ext uri="{FF2B5EF4-FFF2-40B4-BE49-F238E27FC236}">
+                <a16:creationId xmlns:a16="http://schemas.microsoft.com/office/drawing/2014/main" id="{C03A84B0-B781-BE87-D90D-0E5948647417}"/>
+              </a:ext>
+            </a:extLst>
+          </p:cNvPr>
+          <p:cNvSpPr txBox="1"/>
+          <p:nvPr/>
+        </p:nvSpPr>
+        <p:spPr>
+          <a:xfrm>
+            <a:off x="7086601" y="1896907"/>
+            <a:ext cx="4114800" cy="596061"/>
+          </a:xfrm>
+          <a:prstGeom prst="rect">
+            <a:avLst/>
+          </a:prstGeom>
+        </p:spPr>
+        <p:txBody>
+          <a:bodyPr wrap="square" lIns="0" tIns="0" rIns="0" bIns="0" rtlCol="0" anchor="t">
+            <a:spAutoFit/>
+          </a:bodyPr>
+          <a:lstStyle/>
+          <a:p>
+            <a:pPr algn="ctr">
+              <a:lnSpc>
+                <a:spcPts val="3849"/>
+              </a:lnSpc>
+            </a:pPr>
+            <a:r>
+              <a:rPr lang="en-US" altLang="ko-KR" sz="6600" dirty="0">
+                <a:solidFill>
+                  <a:srgbClr val="8CA9AD"/>
+                </a:solidFill>
+                <a:latin typeface="에스코어 드림 6 Bold" panose="020B0703030302020204" pitchFamily="34" charset="-127"/>
+                <a:ea typeface="에스코어 드림 6 Bold" panose="020B0703030302020204" pitchFamily="34" charset="-127"/>
+              </a:rPr>
+              <a:t>TIMELINE</a:t>
+            </a:r>
           </a:p>
         </p:txBody>
       </p:sp>
